--- a/Progress_report/Ravi/Non_hg_contimination_XIANGLI_07082021.pptx
+++ b/Progress_report/Ravi/Non_hg_contimination_XIANGLI_07082021.pptx
@@ -5,7 +5,7 @@
     <p:sldMasterId id="2147483648" r:id="rId1"/>
   </p:sldMasterIdLst>
   <p:notesMasterIdLst>
-    <p:notesMasterId r:id="rId13"/>
+    <p:notesMasterId r:id="rId14"/>
   </p:notesMasterIdLst>
   <p:sldIdLst>
     <p:sldId id="256" r:id="rId2"/>
@@ -14,11 +14,12 @@
     <p:sldId id="259" r:id="rId5"/>
     <p:sldId id="260" r:id="rId6"/>
     <p:sldId id="261" r:id="rId7"/>
-    <p:sldId id="262" r:id="rId8"/>
-    <p:sldId id="263" r:id="rId9"/>
+    <p:sldId id="263" r:id="rId8"/>
+    <p:sldId id="262" r:id="rId9"/>
     <p:sldId id="264" r:id="rId10"/>
     <p:sldId id="265" r:id="rId11"/>
     <p:sldId id="266" r:id="rId12"/>
+    <p:sldId id="267" r:id="rId13"/>
   </p:sldIdLst>
   <p:sldSz cx="12192000" cy="6858000"/>
   <p:notesSz cx="6858000" cy="9144000"/>
@@ -128,8 +129,8 @@
             <p14:sldId id="259"/>
             <p14:sldId id="260"/>
             <p14:sldId id="261"/>
+            <p14:sldId id="263"/>
             <p14:sldId id="262"/>
-            <p14:sldId id="263"/>
             <p14:sldId id="264"/>
             <p14:sldId id="265"/>
           </p14:sldIdLst>
@@ -137,15 +138,16 @@
         <p14:section name="Work_From_Ravi" id="{F96B37FC-92C7-C34D-BEA6-B03308E9D8CB}">
           <p14:sldIdLst>
             <p14:sldId id="266"/>
+            <p14:sldId id="267"/>
           </p14:sldIdLst>
         </p14:section>
         <p14:section name="Default Section" id="{3156BE32-9114-7D47-A5D1-912D012EEBF7}">
           <p14:sldIdLst/>
         </p14:section>
-        <p14:section name="Default Section" id="{7CAD8D31-FA01-5B4E-BAAE-B362DB4F20BB}">
-          <p14:sldIdLst/>
-        </p14:section>
       </p14:sectionLst>
+    </p:ext>
+    <p:ext uri="{EFAFB233-063F-42B5-8137-9DF3F51BA10A}">
+      <p15:sldGuideLst xmlns:p15="http://schemas.microsoft.com/office/powerpoint/2012/main"/>
     </p:ext>
   </p:extLst>
 </p:presentation>
@@ -233,7 +235,7 @@
           <a:p>
             <a:fld id="{1CA40409-52BE-F544-81FC-C51B7C4F3A68}" type="datetimeFigureOut">
               <a:rPr lang="en-US" smtClean="0"/>
-              <a:t>7/7/21</a:t>
+              <a:t>7/13/21</a:t>
             </a:fld>
             <a:endParaRPr lang="en-US"/>
           </a:p>
@@ -1445,162 +1447,6 @@
   <p:cSld>
     <p:spTree>
       <p:nvGrpSpPr>
-        <p:cNvPr id="1" name="Shape 164"/>
-        <p:cNvGrpSpPr/>
-        <p:nvPr/>
-      </p:nvGrpSpPr>
-      <p:grpSpPr>
-        <a:xfrm>
-          <a:off x="0" y="0"/>
-          <a:ext cx="0" cy="0"/>
-          <a:chOff x="0" y="0"/>
-          <a:chExt cx="0" cy="0"/>
-        </a:xfrm>
-      </p:grpSpPr>
-      <p:sp>
-        <p:nvSpPr>
-          <p:cNvPr id="165" name="Google Shape;165;ge415c3a8ef_0_13:notes"/>
-          <p:cNvSpPr>
-            <a:spLocks noGrp="1" noRot="1" noChangeAspect="1"/>
-          </p:cNvSpPr>
-          <p:nvPr>
-            <p:ph type="sldImg" idx="2"/>
-          </p:nvPr>
-        </p:nvSpPr>
-        <p:spPr>
-          <a:xfrm>
-            <a:off x="685800" y="1143000"/>
-            <a:ext cx="5486400" cy="3086100"/>
-          </a:xfrm>
-          <a:custGeom>
-            <a:avLst/>
-            <a:gdLst/>
-            <a:ahLst/>
-            <a:cxnLst/>
-            <a:rect l="l" t="t" r="r" b="b"/>
-            <a:pathLst>
-              <a:path w="120000" h="120000" extrusionOk="0">
-                <a:moveTo>
-                  <a:pt x="0" y="0"/>
-                </a:moveTo>
-                <a:lnTo>
-                  <a:pt x="120000" y="0"/>
-                </a:lnTo>
-                <a:lnTo>
-                  <a:pt x="120000" y="120000"/>
-                </a:lnTo>
-                <a:lnTo>
-                  <a:pt x="0" y="120000"/>
-                </a:lnTo>
-                <a:close/>
-              </a:path>
-            </a:pathLst>
-          </a:custGeom>
-        </p:spPr>
-      </p:sp>
-      <p:sp>
-        <p:nvSpPr>
-          <p:cNvPr id="166" name="Google Shape;166;ge415c3a8ef_0_13:notes"/>
-          <p:cNvSpPr txBox="1">
-            <a:spLocks noGrp="1"/>
-          </p:cNvSpPr>
-          <p:nvPr>
-            <p:ph type="body" idx="1"/>
-          </p:nvPr>
-        </p:nvSpPr>
-        <p:spPr>
-          <a:xfrm>
-            <a:off x="685800" y="4400550"/>
-            <a:ext cx="5486400" cy="3600600"/>
-          </a:xfrm>
-          <a:prstGeom prst="rect">
-            <a:avLst/>
-          </a:prstGeom>
-        </p:spPr>
-        <p:txBody>
-          <a:bodyPr spcFirstLastPara="1" wrap="square" lIns="91425" tIns="45700" rIns="91425" bIns="45700" anchor="t" anchorCtr="0">
-            <a:noAutofit/>
-          </a:bodyPr>
-          <a:lstStyle/>
-          <a:p>
-            <a:pPr marL="0" lvl="0" indent="0" algn="l" rtl="0">
-              <a:spcBef>
-                <a:spcPts val="0"/>
-              </a:spcBef>
-              <a:spcAft>
-                <a:spcPts val="0"/>
-              </a:spcAft>
-              <a:buNone/>
-            </a:pPr>
-            <a:endParaRPr/>
-          </a:p>
-        </p:txBody>
-      </p:sp>
-      <p:sp>
-        <p:nvSpPr>
-          <p:cNvPr id="167" name="Google Shape;167;ge415c3a8ef_0_13:notes"/>
-          <p:cNvSpPr txBox="1">
-            <a:spLocks noGrp="1"/>
-          </p:cNvSpPr>
-          <p:nvPr>
-            <p:ph type="sldNum" idx="12"/>
-          </p:nvPr>
-        </p:nvSpPr>
-        <p:spPr>
-          <a:xfrm>
-            <a:off x="3884613" y="8685213"/>
-            <a:ext cx="2971800" cy="458700"/>
-          </a:xfrm>
-          <a:prstGeom prst="rect">
-            <a:avLst/>
-          </a:prstGeom>
-        </p:spPr>
-        <p:txBody>
-          <a:bodyPr spcFirstLastPara="1" wrap="square" lIns="91425" tIns="45700" rIns="91425" bIns="45700" anchor="b" anchorCtr="0">
-            <a:noAutofit/>
-          </a:bodyPr>
-          <a:lstStyle/>
-          <a:p>
-            <a:pPr marL="0" lvl="0" indent="0" algn="r" rtl="0">
-              <a:spcBef>
-                <a:spcPts val="0"/>
-              </a:spcBef>
-              <a:spcAft>
-                <a:spcPts val="0"/>
-              </a:spcAft>
-              <a:buClr>
-                <a:srgbClr val="000000"/>
-              </a:buClr>
-              <a:buSzPts val="1200"/>
-              <a:buFont typeface="Arial"/>
-              <a:buNone/>
-            </a:pPr>
-            <a:fld id="{00000000-1234-1234-1234-123412341234}" type="slidenum">
-              <a:rPr lang="en-US"/>
-              <a:t>7</a:t>
-            </a:fld>
-            <a:endParaRPr/>
-          </a:p>
-        </p:txBody>
-      </p:sp>
-    </p:spTree>
-    <p:extLst>
-      <p:ext uri="{BB962C8B-B14F-4D97-AF65-F5344CB8AC3E}">
-        <p14:creationId xmlns:p14="http://schemas.microsoft.com/office/powerpoint/2010/main" val="3360789556"/>
-      </p:ext>
-    </p:extLst>
-  </p:cSld>
-  <p:clrMapOvr>
-    <a:masterClrMapping/>
-  </p:clrMapOvr>
-</p:notes>
-</file>
-
-<file path=ppt/notesSlides/notesSlide8.xml><?xml version="1.0" encoding="utf-8"?>
-<p:notes xmlns:a="http://schemas.openxmlformats.org/drawingml/2006/main" xmlns:r="http://schemas.openxmlformats.org/officeDocument/2006/relationships" xmlns:p="http://schemas.openxmlformats.org/presentationml/2006/main" showMasterSp="0" showMasterPhAnim="0">
-  <p:cSld>
-    <p:spTree>
-      <p:nvGrpSpPr>
         <p:cNvPr id="1" name="Shape 175"/>
         <p:cNvGrpSpPr/>
         <p:nvPr/>
@@ -1706,7 +1552,7 @@
               <a:buSzPts val="1400"/>
               <a:buNone/>
             </a:pPr>
-            <a:endParaRPr/>
+            <a:endParaRPr dirty="0"/>
           </a:p>
         </p:txBody>
       </p:sp>
@@ -1758,7 +1604,7 @@
             </a:pPr>
             <a:fld id="{00000000-1234-1234-1234-123412341234}" type="slidenum">
               <a:rPr lang="en-US"/>
-              <a:t>8</a:t>
+              <a:t>7</a:t>
             </a:fld>
             <a:endParaRPr/>
           </a:p>
@@ -1768,6 +1614,246 @@
     <p:extLst>
       <p:ext uri="{BB962C8B-B14F-4D97-AF65-F5344CB8AC3E}">
         <p14:creationId xmlns:p14="http://schemas.microsoft.com/office/powerpoint/2010/main" val="1698312216"/>
+      </p:ext>
+    </p:extLst>
+  </p:cSld>
+  <p:clrMapOvr>
+    <a:masterClrMapping/>
+  </p:clrMapOvr>
+</p:notes>
+</file>
+
+<file path=ppt/notesSlides/notesSlide8.xml><?xml version="1.0" encoding="utf-8"?>
+<p:notes xmlns:a="http://schemas.openxmlformats.org/drawingml/2006/main" xmlns:r="http://schemas.openxmlformats.org/officeDocument/2006/relationships" xmlns:p="http://schemas.openxmlformats.org/presentationml/2006/main" showMasterSp="0" showMasterPhAnim="0">
+  <p:cSld>
+    <p:spTree>
+      <p:nvGrpSpPr>
+        <p:cNvPr id="1" name="Shape 164"/>
+        <p:cNvGrpSpPr/>
+        <p:nvPr/>
+      </p:nvGrpSpPr>
+      <p:grpSpPr>
+        <a:xfrm>
+          <a:off x="0" y="0"/>
+          <a:ext cx="0" cy="0"/>
+          <a:chOff x="0" y="0"/>
+          <a:chExt cx="0" cy="0"/>
+        </a:xfrm>
+      </p:grpSpPr>
+      <p:sp>
+        <p:nvSpPr>
+          <p:cNvPr id="165" name="Google Shape;165;ge415c3a8ef_0_13:notes"/>
+          <p:cNvSpPr>
+            <a:spLocks noGrp="1" noRot="1" noChangeAspect="1"/>
+          </p:cNvSpPr>
+          <p:nvPr>
+            <p:ph type="sldImg" idx="2"/>
+          </p:nvPr>
+        </p:nvSpPr>
+        <p:spPr>
+          <a:xfrm>
+            <a:off x="685800" y="1143000"/>
+            <a:ext cx="5486400" cy="3086100"/>
+          </a:xfrm>
+          <a:custGeom>
+            <a:avLst/>
+            <a:gdLst/>
+            <a:ahLst/>
+            <a:cxnLst/>
+            <a:rect l="l" t="t" r="r" b="b"/>
+            <a:pathLst>
+              <a:path w="120000" h="120000" extrusionOk="0">
+                <a:moveTo>
+                  <a:pt x="0" y="0"/>
+                </a:moveTo>
+                <a:lnTo>
+                  <a:pt x="120000" y="0"/>
+                </a:lnTo>
+                <a:lnTo>
+                  <a:pt x="120000" y="120000"/>
+                </a:lnTo>
+                <a:lnTo>
+                  <a:pt x="0" y="120000"/>
+                </a:lnTo>
+                <a:close/>
+              </a:path>
+            </a:pathLst>
+          </a:custGeom>
+        </p:spPr>
+      </p:sp>
+      <p:sp>
+        <p:nvSpPr>
+          <p:cNvPr id="166" name="Google Shape;166;ge415c3a8ef_0_13:notes"/>
+          <p:cNvSpPr txBox="1">
+            <a:spLocks noGrp="1"/>
+          </p:cNvSpPr>
+          <p:nvPr>
+            <p:ph type="body" idx="1"/>
+          </p:nvPr>
+        </p:nvSpPr>
+        <p:spPr>
+          <a:xfrm>
+            <a:off x="685800" y="4400550"/>
+            <a:ext cx="5486400" cy="3600600"/>
+          </a:xfrm>
+          <a:prstGeom prst="rect">
+            <a:avLst/>
+          </a:prstGeom>
+        </p:spPr>
+        <p:txBody>
+          <a:bodyPr spcFirstLastPara="1" wrap="square" lIns="91425" tIns="45700" rIns="91425" bIns="45700" anchor="t" anchorCtr="0">
+            <a:noAutofit/>
+          </a:bodyPr>
+          <a:lstStyle/>
+          <a:p>
+            <a:pPr marL="0" lvl="0" indent="0" algn="l" rtl="0">
+              <a:spcBef>
+                <a:spcPts val="0"/>
+              </a:spcBef>
+              <a:spcAft>
+                <a:spcPts val="0"/>
+              </a:spcAft>
+              <a:buNone/>
+            </a:pPr>
+            <a:endParaRPr dirty="0"/>
+          </a:p>
+        </p:txBody>
+      </p:sp>
+      <p:sp>
+        <p:nvSpPr>
+          <p:cNvPr id="167" name="Google Shape;167;ge415c3a8ef_0_13:notes"/>
+          <p:cNvSpPr txBox="1">
+            <a:spLocks noGrp="1"/>
+          </p:cNvSpPr>
+          <p:nvPr>
+            <p:ph type="sldNum" idx="12"/>
+          </p:nvPr>
+        </p:nvSpPr>
+        <p:spPr>
+          <a:xfrm>
+            <a:off x="3884613" y="8685213"/>
+            <a:ext cx="2971800" cy="458700"/>
+          </a:xfrm>
+          <a:prstGeom prst="rect">
+            <a:avLst/>
+          </a:prstGeom>
+        </p:spPr>
+        <p:txBody>
+          <a:bodyPr spcFirstLastPara="1" wrap="square" lIns="91425" tIns="45700" rIns="91425" bIns="45700" anchor="b" anchorCtr="0">
+            <a:noAutofit/>
+          </a:bodyPr>
+          <a:lstStyle/>
+          <a:p>
+            <a:pPr marL="0" lvl="0" indent="0" algn="r" rtl="0">
+              <a:spcBef>
+                <a:spcPts val="0"/>
+              </a:spcBef>
+              <a:spcAft>
+                <a:spcPts val="0"/>
+              </a:spcAft>
+              <a:buClr>
+                <a:srgbClr val="000000"/>
+              </a:buClr>
+              <a:buSzPts val="1200"/>
+              <a:buFont typeface="Arial"/>
+              <a:buNone/>
+            </a:pPr>
+            <a:fld id="{00000000-1234-1234-1234-123412341234}" type="slidenum">
+              <a:rPr lang="en-US"/>
+              <a:t>8</a:t>
+            </a:fld>
+            <a:endParaRPr/>
+          </a:p>
+        </p:txBody>
+      </p:sp>
+    </p:spTree>
+    <p:extLst>
+      <p:ext uri="{BB962C8B-B14F-4D97-AF65-F5344CB8AC3E}">
+        <p14:creationId xmlns:p14="http://schemas.microsoft.com/office/powerpoint/2010/main" val="3360789556"/>
+      </p:ext>
+    </p:extLst>
+  </p:cSld>
+  <p:clrMapOvr>
+    <a:masterClrMapping/>
+  </p:clrMapOvr>
+</p:notes>
+</file>
+
+<file path=ppt/notesSlides/notesSlide9.xml><?xml version="1.0" encoding="utf-8"?>
+<p:notes xmlns:a="http://schemas.openxmlformats.org/drawingml/2006/main" xmlns:r="http://schemas.openxmlformats.org/officeDocument/2006/relationships" xmlns:p="http://schemas.openxmlformats.org/presentationml/2006/main">
+  <p:cSld>
+    <p:spTree>
+      <p:nvGrpSpPr>
+        <p:cNvPr id="1" name=""/>
+        <p:cNvGrpSpPr/>
+        <p:nvPr/>
+      </p:nvGrpSpPr>
+      <p:grpSpPr>
+        <a:xfrm>
+          <a:off x="0" y="0"/>
+          <a:ext cx="0" cy="0"/>
+          <a:chOff x="0" y="0"/>
+          <a:chExt cx="0" cy="0"/>
+        </a:xfrm>
+      </p:grpSpPr>
+      <p:sp>
+        <p:nvSpPr>
+          <p:cNvPr id="2" name="Slide Image Placeholder 1"/>
+          <p:cNvSpPr>
+            <a:spLocks noGrp="1" noRot="1" noChangeAspect="1"/>
+          </p:cNvSpPr>
+          <p:nvPr>
+            <p:ph type="sldImg"/>
+          </p:nvPr>
+        </p:nvSpPr>
+        <p:spPr/>
+      </p:sp>
+      <p:sp>
+        <p:nvSpPr>
+          <p:cNvPr id="3" name="Notes Placeholder 2"/>
+          <p:cNvSpPr>
+            <a:spLocks noGrp="1"/>
+          </p:cNvSpPr>
+          <p:nvPr>
+            <p:ph type="body" idx="1"/>
+          </p:nvPr>
+        </p:nvSpPr>
+        <p:spPr/>
+        <p:txBody>
+          <a:bodyPr/>
+          <a:lstStyle/>
+          <a:p>
+            <a:endParaRPr lang="en-US"/>
+          </a:p>
+        </p:txBody>
+      </p:sp>
+      <p:sp>
+        <p:nvSpPr>
+          <p:cNvPr id="4" name="Slide Number Placeholder 3"/>
+          <p:cNvSpPr>
+            <a:spLocks noGrp="1"/>
+          </p:cNvSpPr>
+          <p:nvPr>
+            <p:ph type="sldNum" sz="quarter" idx="5"/>
+          </p:nvPr>
+        </p:nvSpPr>
+        <p:spPr/>
+        <p:txBody>
+          <a:bodyPr/>
+          <a:lstStyle/>
+          <a:p>
+            <a:fld id="{796C057E-89DA-564D-BD07-6DD635C62318}" type="slidenum">
+              <a:rPr lang="en-US" smtClean="0"/>
+              <a:t>12</a:t>
+            </a:fld>
+            <a:endParaRPr lang="en-US"/>
+          </a:p>
+        </p:txBody>
+      </p:sp>
+    </p:spTree>
+    <p:extLst>
+      <p:ext uri="{BB962C8B-B14F-4D97-AF65-F5344CB8AC3E}">
+        <p14:creationId xmlns:p14="http://schemas.microsoft.com/office/powerpoint/2010/main" val="697292749"/>
       </p:ext>
     </p:extLst>
   </p:cSld>
@@ -1924,7 +2010,7 @@
           <a:p>
             <a:fld id="{7A60DCE2-A685-AB47-931F-31D8ECA7B24B}" type="datetimeFigureOut">
               <a:rPr lang="en-US" smtClean="0"/>
-              <a:t>7/7/21</a:t>
+              <a:t>7/13/21</a:t>
             </a:fld>
             <a:endParaRPr lang="en-US"/>
           </a:p>
@@ -2122,7 +2208,7 @@
           <a:p>
             <a:fld id="{7A60DCE2-A685-AB47-931F-31D8ECA7B24B}" type="datetimeFigureOut">
               <a:rPr lang="en-US" smtClean="0"/>
-              <a:t>7/7/21</a:t>
+              <a:t>7/13/21</a:t>
             </a:fld>
             <a:endParaRPr lang="en-US"/>
           </a:p>
@@ -2330,7 +2416,7 @@
           <a:p>
             <a:fld id="{7A60DCE2-A685-AB47-931F-31D8ECA7B24B}" type="datetimeFigureOut">
               <a:rPr lang="en-US" smtClean="0"/>
-              <a:t>7/7/21</a:t>
+              <a:t>7/13/21</a:t>
             </a:fld>
             <a:endParaRPr lang="en-US"/>
           </a:p>
@@ -3159,7 +3245,7 @@
           <a:p>
             <a:fld id="{7A60DCE2-A685-AB47-931F-31D8ECA7B24B}" type="datetimeFigureOut">
               <a:rPr lang="en-US" smtClean="0"/>
-              <a:t>7/7/21</a:t>
+              <a:t>7/13/21</a:t>
             </a:fld>
             <a:endParaRPr lang="en-US"/>
           </a:p>
@@ -3434,7 +3520,7 @@
           <a:p>
             <a:fld id="{7A60DCE2-A685-AB47-931F-31D8ECA7B24B}" type="datetimeFigureOut">
               <a:rPr lang="en-US" smtClean="0"/>
-              <a:t>7/7/21</a:t>
+              <a:t>7/13/21</a:t>
             </a:fld>
             <a:endParaRPr lang="en-US"/>
           </a:p>
@@ -3699,7 +3785,7 @@
           <a:p>
             <a:fld id="{7A60DCE2-A685-AB47-931F-31D8ECA7B24B}" type="datetimeFigureOut">
               <a:rPr lang="en-US" smtClean="0"/>
-              <a:t>7/7/21</a:t>
+              <a:t>7/13/21</a:t>
             </a:fld>
             <a:endParaRPr lang="en-US"/>
           </a:p>
@@ -4111,7 +4197,7 @@
           <a:p>
             <a:fld id="{7A60DCE2-A685-AB47-931F-31D8ECA7B24B}" type="datetimeFigureOut">
               <a:rPr lang="en-US" smtClean="0"/>
-              <a:t>7/7/21</a:t>
+              <a:t>7/13/21</a:t>
             </a:fld>
             <a:endParaRPr lang="en-US"/>
           </a:p>
@@ -4252,7 +4338,7 @@
           <a:p>
             <a:fld id="{7A60DCE2-A685-AB47-931F-31D8ECA7B24B}" type="datetimeFigureOut">
               <a:rPr lang="en-US" smtClean="0"/>
-              <a:t>7/7/21</a:t>
+              <a:t>7/13/21</a:t>
             </a:fld>
             <a:endParaRPr lang="en-US"/>
           </a:p>
@@ -4365,7 +4451,7 @@
           <a:p>
             <a:fld id="{7A60DCE2-A685-AB47-931F-31D8ECA7B24B}" type="datetimeFigureOut">
               <a:rPr lang="en-US" smtClean="0"/>
-              <a:t>7/7/21</a:t>
+              <a:t>7/13/21</a:t>
             </a:fld>
             <a:endParaRPr lang="en-US"/>
           </a:p>
@@ -4676,7 +4762,7 @@
           <a:p>
             <a:fld id="{7A60DCE2-A685-AB47-931F-31D8ECA7B24B}" type="datetimeFigureOut">
               <a:rPr lang="en-US" smtClean="0"/>
-              <a:t>7/7/21</a:t>
+              <a:t>7/13/21</a:t>
             </a:fld>
             <a:endParaRPr lang="en-US"/>
           </a:p>
@@ -4964,7 +5050,7 @@
           <a:p>
             <a:fld id="{7A60DCE2-A685-AB47-931F-31D8ECA7B24B}" type="datetimeFigureOut">
               <a:rPr lang="en-US" smtClean="0"/>
-              <a:t>7/7/21</a:t>
+              <a:t>7/13/21</a:t>
             </a:fld>
             <a:endParaRPr lang="en-US"/>
           </a:p>
@@ -5205,7 +5291,7 @@
           <a:p>
             <a:fld id="{7A60DCE2-A685-AB47-931F-31D8ECA7B24B}" type="datetimeFigureOut">
               <a:rPr lang="en-US" smtClean="0"/>
-              <a:t>7/7/21</a:t>
+              <a:t>7/13/21</a:t>
             </a:fld>
             <a:endParaRPr lang="en-US"/>
           </a:p>
@@ -6083,7 +6169,16 @@
               <a:rPr lang="en-US" u="sng" dirty="0">
                 <a:latin typeface="+mn-lt"/>
               </a:rPr>
-              <a:t>:</a:t>
+              <a:t>:  </a:t>
+            </a:r>
+            <a:r>
+              <a:rPr lang="en-US" u="sng" dirty="0">
+                <a:solidFill>
+                  <a:srgbClr val="00B050"/>
+                </a:solidFill>
+                <a:latin typeface="+mn-lt"/>
+              </a:rPr>
+              <a:t>Done</a:t>
             </a:r>
           </a:p>
           <a:p>
@@ -6194,6 +6289,146 @@
     <p:extLst>
       <p:ext uri="{BB962C8B-B14F-4D97-AF65-F5344CB8AC3E}">
         <p14:creationId xmlns:p14="http://schemas.microsoft.com/office/powerpoint/2010/main" val="3518508511"/>
+      </p:ext>
+    </p:extLst>
+  </p:cSld>
+  <p:clrMapOvr>
+    <a:masterClrMapping/>
+  </p:clrMapOvr>
+</p:sld>
+</file>
+
+<file path=ppt/slides/slide12.xml><?xml version="1.0" encoding="utf-8"?>
+<p:sld xmlns:a="http://schemas.openxmlformats.org/drawingml/2006/main" xmlns:r="http://schemas.openxmlformats.org/officeDocument/2006/relationships" xmlns:p="http://schemas.openxmlformats.org/presentationml/2006/main">
+  <p:cSld>
+    <p:spTree>
+      <p:nvGrpSpPr>
+        <p:cNvPr id="1" name=""/>
+        <p:cNvGrpSpPr/>
+        <p:nvPr/>
+      </p:nvGrpSpPr>
+      <p:grpSpPr>
+        <a:xfrm>
+          <a:off x="0" y="0"/>
+          <a:ext cx="0" cy="0"/>
+          <a:chOff x="0" y="0"/>
+          <a:chExt cx="0" cy="0"/>
+        </a:xfrm>
+      </p:grpSpPr>
+      <p:sp>
+        <p:nvSpPr>
+          <p:cNvPr id="2" name="Title 1">
+            <a:extLst>
+              <a:ext uri="{FF2B5EF4-FFF2-40B4-BE49-F238E27FC236}">
+                <a16:creationId xmlns:a16="http://schemas.microsoft.com/office/drawing/2014/main" id="{3259E915-0903-B74D-A9F3-402A9F2E6562}"/>
+              </a:ext>
+            </a:extLst>
+          </p:cNvPr>
+          <p:cNvSpPr>
+            <a:spLocks noGrp="1"/>
+          </p:cNvSpPr>
+          <p:nvPr>
+            <p:ph type="title"/>
+          </p:nvPr>
+        </p:nvSpPr>
+        <p:spPr/>
+        <p:txBody>
+          <a:bodyPr/>
+          <a:lstStyle/>
+          <a:p>
+            <a:r>
+              <a:rPr lang="en-US" dirty="0"/>
+              <a:t>Build a module</a:t>
+            </a:r>
+          </a:p>
+        </p:txBody>
+      </p:sp>
+      <p:sp>
+        <p:nvSpPr>
+          <p:cNvPr id="3" name="Content Placeholder 2">
+            <a:extLst>
+              <a:ext uri="{FF2B5EF4-FFF2-40B4-BE49-F238E27FC236}">
+                <a16:creationId xmlns:a16="http://schemas.microsoft.com/office/drawing/2014/main" id="{EC82C4C8-E315-EF40-93A9-8AE7C9C3A271}"/>
+              </a:ext>
+            </a:extLst>
+          </p:cNvPr>
+          <p:cNvSpPr>
+            <a:spLocks noGrp="1"/>
+          </p:cNvSpPr>
+          <p:nvPr>
+            <p:ph idx="1"/>
+          </p:nvPr>
+        </p:nvSpPr>
+        <p:spPr/>
+        <p:txBody>
+          <a:bodyPr/>
+          <a:lstStyle/>
+          <a:p>
+            <a:r>
+              <a:rPr lang="en-US" dirty="0">
+                <a:hlinkClick r:id="rId3"/>
+              </a:rPr>
+              <a:t>https://guardanthealth.atlassian.net/wiki/spaces/~698448339/pages/2215479869/BIP4+tutorial+and+tips</a:t>
+            </a:r>
+            <a:endParaRPr lang="en-US" dirty="0"/>
+          </a:p>
+          <a:p>
+            <a:r>
+              <a:rPr lang="en-US" dirty="0">
+                <a:hlinkClick r:id="rId4"/>
+              </a:rPr>
+              <a:t>https://guardanthealth.atlassian.net/wiki/spaces/BIP40/pages/1329139699/BIP+4.0+dev+resources+and+how-tos</a:t>
+            </a:r>
+            <a:endParaRPr lang="en-US" dirty="0"/>
+          </a:p>
+        </p:txBody>
+      </p:sp>
+      <p:sp>
+        <p:nvSpPr>
+          <p:cNvPr id="4" name="Rectangle 3">
+            <a:extLst>
+              <a:ext uri="{FF2B5EF4-FFF2-40B4-BE49-F238E27FC236}">
+                <a16:creationId xmlns:a16="http://schemas.microsoft.com/office/drawing/2014/main" id="{DC12A005-EC2E-BD4E-8C61-5AFC9B77751F}"/>
+              </a:ext>
+            </a:extLst>
+          </p:cNvPr>
+          <p:cNvSpPr/>
+          <p:nvPr/>
+        </p:nvSpPr>
+        <p:spPr>
+          <a:xfrm>
+            <a:off x="1130300" y="4185335"/>
+            <a:ext cx="6096000" cy="646331"/>
+          </a:xfrm>
+          <a:prstGeom prst="rect">
+            <a:avLst/>
+          </a:prstGeom>
+        </p:spPr>
+        <p:txBody>
+          <a:bodyPr>
+            <a:spAutoFit/>
+          </a:bodyPr>
+          <a:lstStyle/>
+          <a:p>
+            <a:r>
+              <a:rPr lang="en-US" dirty="0"/>
+              <a:t>https://</a:t>
+            </a:r>
+            <a:r>
+              <a:rPr lang="en-US" dirty="0" err="1"/>
+              <a:t>guardanthealth.atlassian.net</a:t>
+            </a:r>
+            <a:r>
+              <a:rPr lang="en-US" dirty="0"/>
+              <a:t>/wiki/spaces/~698448339/pages/2215479869/BIP4+tutorial+and+tips</a:t>
+            </a:r>
+          </a:p>
+        </p:txBody>
+      </p:sp>
+    </p:spTree>
+    <p:extLst>
+      <p:ext uri="{BB962C8B-B14F-4D97-AF65-F5344CB8AC3E}">
+        <p14:creationId xmlns:p14="http://schemas.microsoft.com/office/powerpoint/2010/main" val="3755857907"/>
       </p:ext>
     </p:extLst>
   </p:cSld>
@@ -13359,6 +13594,292 @@
   <p:cSld>
     <p:spTree>
       <p:nvGrpSpPr>
+        <p:cNvPr id="1" name="Shape 179"/>
+        <p:cNvGrpSpPr/>
+        <p:nvPr/>
+      </p:nvGrpSpPr>
+      <p:grpSpPr>
+        <a:xfrm>
+          <a:off x="0" y="0"/>
+          <a:ext cx="0" cy="0"/>
+          <a:chOff x="0" y="0"/>
+          <a:chExt cx="0" cy="0"/>
+        </a:xfrm>
+      </p:grpSpPr>
+      <p:sp>
+        <p:nvSpPr>
+          <p:cNvPr id="180" name="Google Shape;180;ge260998fd6_0_0"/>
+          <p:cNvSpPr txBox="1">
+            <a:spLocks noGrp="1"/>
+          </p:cNvSpPr>
+          <p:nvPr>
+            <p:ph type="title"/>
+          </p:nvPr>
+        </p:nvSpPr>
+        <p:spPr>
+          <a:xfrm>
+            <a:off x="838200" y="365125"/>
+            <a:ext cx="10515600" cy="1325700"/>
+          </a:xfrm>
+          <a:prstGeom prst="rect">
+            <a:avLst/>
+          </a:prstGeom>
+          <a:noFill/>
+          <a:ln>
+            <a:noFill/>
+          </a:ln>
+        </p:spPr>
+        <p:txBody>
+          <a:bodyPr spcFirstLastPara="1" wrap="square" lIns="91425" tIns="45700" rIns="91425" bIns="45700" anchor="ctr" anchorCtr="0">
+            <a:normAutofit/>
+          </a:bodyPr>
+          <a:lstStyle/>
+          <a:p>
+            <a:pPr marL="0" lvl="0" indent="0" algn="l" rtl="0">
+              <a:lnSpc>
+                <a:spcPct val="90000"/>
+              </a:lnSpc>
+              <a:spcBef>
+                <a:spcPts val="0"/>
+              </a:spcBef>
+              <a:spcAft>
+                <a:spcPts val="0"/>
+              </a:spcAft>
+              <a:buSzPts val="1800"/>
+              <a:buNone/>
+            </a:pPr>
+            <a:endParaRPr dirty="0"/>
+          </a:p>
+        </p:txBody>
+      </p:sp>
+      <p:sp>
+        <p:nvSpPr>
+          <p:cNvPr id="181" name="Google Shape;181;ge260998fd6_0_0"/>
+          <p:cNvSpPr txBox="1">
+            <a:spLocks noGrp="1"/>
+          </p:cNvSpPr>
+          <p:nvPr>
+            <p:ph type="body" idx="1"/>
+          </p:nvPr>
+        </p:nvSpPr>
+        <p:spPr>
+          <a:xfrm>
+            <a:off x="838200" y="1825625"/>
+            <a:ext cx="10515600" cy="4351200"/>
+          </a:xfrm>
+          <a:prstGeom prst="rect">
+            <a:avLst/>
+          </a:prstGeom>
+          <a:noFill/>
+          <a:ln>
+            <a:noFill/>
+          </a:ln>
+        </p:spPr>
+        <p:txBody>
+          <a:bodyPr spcFirstLastPara="1" wrap="square" lIns="91425" tIns="45700" rIns="91425" bIns="45700" anchor="t" anchorCtr="0">
+            <a:normAutofit/>
+          </a:bodyPr>
+          <a:lstStyle/>
+          <a:p>
+            <a:pPr marL="0" lvl="0" indent="0" algn="l" rtl="0">
+              <a:lnSpc>
+                <a:spcPct val="90000"/>
+              </a:lnSpc>
+              <a:spcBef>
+                <a:spcPts val="1000"/>
+              </a:spcBef>
+              <a:spcAft>
+                <a:spcPts val="0"/>
+              </a:spcAft>
+              <a:buSzPts val="1800"/>
+              <a:buNone/>
+            </a:pPr>
+            <a:r>
+              <a:rPr lang="en-US" sz="1950" dirty="0">
+                <a:solidFill>
+                  <a:srgbClr val="1D1C1D"/>
+                </a:solidFill>
+                <a:highlight>
+                  <a:srgbClr val="F8F8F8"/>
+                </a:highlight>
+                <a:latin typeface="+mn-lt"/>
+                <a:ea typeface="Arial"/>
+                <a:cs typeface="Arial"/>
+                <a:sym typeface="Arial"/>
+              </a:rPr>
+              <a:t>Reportable region bed file (REPORT= intervals are the ones that are actual reportable for </a:t>
+            </a:r>
+            <a:r>
+              <a:rPr lang="en-US" sz="1950" dirty="0" err="1">
+                <a:solidFill>
+                  <a:srgbClr val="1D1C1D"/>
+                </a:solidFill>
+                <a:highlight>
+                  <a:srgbClr val="F8F8F8"/>
+                </a:highlight>
+                <a:latin typeface="+mn-lt"/>
+                <a:ea typeface="Arial"/>
+                <a:cs typeface="Arial"/>
+                <a:sym typeface="Arial"/>
+              </a:rPr>
+              <a:t>snvs</a:t>
+            </a:r>
+            <a:r>
+              <a:rPr lang="en-US" sz="1950" dirty="0">
+                <a:solidFill>
+                  <a:srgbClr val="1D1C1D"/>
+                </a:solidFill>
+                <a:highlight>
+                  <a:srgbClr val="F8F8F8"/>
+                </a:highlight>
+                <a:latin typeface="+mn-lt"/>
+                <a:ea typeface="Arial"/>
+                <a:cs typeface="Arial"/>
+                <a:sym typeface="Arial"/>
+              </a:rPr>
+              <a:t> and indels): </a:t>
+            </a:r>
+            <a:r>
+              <a:rPr lang="en-US" sz="1950" u="sng" dirty="0">
+                <a:solidFill>
+                  <a:schemeClr val="hlink"/>
+                </a:solidFill>
+                <a:highlight>
+                  <a:srgbClr val="F8F8F8"/>
+                </a:highlight>
+                <a:latin typeface="+mn-lt"/>
+                <a:ea typeface="Arial"/>
+                <a:cs typeface="Arial"/>
+                <a:sym typeface="Arial"/>
+                <a:hlinkClick r:id="rId3"/>
+              </a:rPr>
+              <a:t>https://github.com/guardant/ghpipeline/blob/master/parameter_sets/Omni/v1.0/Omni1.0_annotated_reportable_regions.bed</a:t>
+            </a:r>
+            <a:endParaRPr sz="3600" dirty="0">
+              <a:latin typeface="+mn-lt"/>
+            </a:endParaRPr>
+          </a:p>
+          <a:p>
+            <a:pPr marL="0" lvl="0" indent="0" algn="l" rtl="0">
+              <a:lnSpc>
+                <a:spcPct val="90000"/>
+              </a:lnSpc>
+              <a:spcBef>
+                <a:spcPts val="1000"/>
+              </a:spcBef>
+              <a:spcAft>
+                <a:spcPts val="0"/>
+              </a:spcAft>
+              <a:buSzPts val="1800"/>
+              <a:buNone/>
+            </a:pPr>
+            <a:endParaRPr sz="3600" dirty="0">
+              <a:latin typeface="+mn-lt"/>
+            </a:endParaRPr>
+          </a:p>
+          <a:p>
+            <a:pPr marL="0" marR="190500" lvl="0" indent="0" algn="l" rtl="0">
+              <a:lnSpc>
+                <a:spcPct val="146668"/>
+              </a:lnSpc>
+              <a:spcBef>
+                <a:spcPts val="0"/>
+              </a:spcBef>
+              <a:spcAft>
+                <a:spcPts val="0"/>
+              </a:spcAft>
+              <a:buClr>
+                <a:schemeClr val="dk1"/>
+              </a:buClr>
+              <a:buSzPts val="1100"/>
+              <a:buFont typeface="Arial"/>
+              <a:buNone/>
+            </a:pPr>
+            <a:r>
+              <a:rPr lang="en-US" sz="1950" dirty="0">
+                <a:solidFill>
+                  <a:srgbClr val="1D1C1D"/>
+                </a:solidFill>
+                <a:highlight>
+                  <a:srgbClr val="F8F8F8"/>
+                </a:highlight>
+                <a:latin typeface="+mn-lt"/>
+                <a:ea typeface="Arial"/>
+                <a:cs typeface="Arial"/>
+                <a:sym typeface="Arial"/>
+              </a:rPr>
+              <a:t>For off/on-target, use this bed file: </a:t>
+            </a:r>
+            <a:r>
+              <a:rPr lang="en-US" sz="1950" dirty="0">
+                <a:solidFill>
+                  <a:schemeClr val="hlink"/>
+                </a:solidFill>
+                <a:highlight>
+                  <a:srgbClr val="F8F8F8"/>
+                </a:highlight>
+                <a:uFill>
+                  <a:noFill/>
+                </a:uFill>
+                <a:latin typeface="+mn-lt"/>
+                <a:ea typeface="Arial"/>
+                <a:cs typeface="Arial"/>
+                <a:sym typeface="Arial"/>
+                <a:hlinkClick r:id="rId4"/>
+              </a:rPr>
+              <a:t>https://github.com/guardant/ghpipeline/blob/master/parameter_sets/Omni/v1.0/Omni1.0_panel.bed</a:t>
+            </a:r>
+            <a:endParaRPr lang="en-US" sz="1950" dirty="0">
+              <a:solidFill>
+                <a:schemeClr val="hlink"/>
+              </a:solidFill>
+              <a:highlight>
+                <a:srgbClr val="F8F8F8"/>
+              </a:highlight>
+              <a:latin typeface="+mn-lt"/>
+              <a:ea typeface="Arial"/>
+              <a:cs typeface="Arial"/>
+              <a:sym typeface="Arial"/>
+            </a:endParaRPr>
+          </a:p>
+          <a:p>
+            <a:pPr marL="0" lvl="0" indent="0" algn="l" rtl="0">
+              <a:lnSpc>
+                <a:spcPct val="90000"/>
+              </a:lnSpc>
+              <a:spcBef>
+                <a:spcPts val="1000"/>
+              </a:spcBef>
+              <a:spcAft>
+                <a:spcPts val="0"/>
+              </a:spcAft>
+              <a:buSzPts val="1800"/>
+              <a:buNone/>
+            </a:pPr>
+            <a:endParaRPr sz="3600" dirty="0">
+              <a:latin typeface="+mn-lt"/>
+            </a:endParaRPr>
+          </a:p>
+        </p:txBody>
+      </p:sp>
+    </p:spTree>
+    <p:extLst>
+      <p:ext uri="{BB962C8B-B14F-4D97-AF65-F5344CB8AC3E}">
+        <p14:creationId xmlns:p14="http://schemas.microsoft.com/office/powerpoint/2010/main" val="4086393090"/>
+      </p:ext>
+    </p:extLst>
+  </p:cSld>
+  <p:clrMapOvr>
+    <a:masterClrMapping/>
+  </p:clrMapOvr>
+</p:sld>
+</file>
+
+<file path=ppt/slides/slide8.xml><?xml version="1.0" encoding="utf-8"?>
+<p:sld xmlns:a="http://schemas.openxmlformats.org/drawingml/2006/main" xmlns:r="http://schemas.openxmlformats.org/officeDocument/2006/relationships" xmlns:p="http://schemas.openxmlformats.org/presentationml/2006/main">
+  <p:cSld>
+    <p:spTree>
+      <p:nvGrpSpPr>
         <p:cNvPr id="1" name="Shape 168"/>
         <p:cNvGrpSpPr/>
         <p:nvPr/>
@@ -13659,296 +14180,52 @@
           </a:ln>
         </p:spPr>
       </p:pic>
-    </p:spTree>
-    <p:extLst>
-      <p:ext uri="{BB962C8B-B14F-4D97-AF65-F5344CB8AC3E}">
-        <p14:creationId xmlns:p14="http://schemas.microsoft.com/office/powerpoint/2010/main" val="3464165910"/>
-      </p:ext>
-    </p:extLst>
-  </p:cSld>
-  <p:clrMapOvr>
-    <a:masterClrMapping/>
-  </p:clrMapOvr>
-</p:sld>
-</file>
-
-<file path=ppt/slides/slide8.xml><?xml version="1.0" encoding="utf-8"?>
-<p:sld xmlns:a="http://schemas.openxmlformats.org/drawingml/2006/main" xmlns:r="http://schemas.openxmlformats.org/officeDocument/2006/relationships" xmlns:p="http://schemas.openxmlformats.org/presentationml/2006/main">
-  <p:cSld>
-    <p:spTree>
-      <p:nvGrpSpPr>
-        <p:cNvPr id="1" name="Shape 179"/>
-        <p:cNvGrpSpPr/>
-        <p:nvPr/>
-      </p:nvGrpSpPr>
-      <p:grpSpPr>
-        <a:xfrm>
-          <a:off x="0" y="0"/>
-          <a:ext cx="0" cy="0"/>
-          <a:chOff x="0" y="0"/>
-          <a:chExt cx="0" cy="0"/>
-        </a:xfrm>
-      </p:grpSpPr>
       <p:sp>
         <p:nvSpPr>
-          <p:cNvPr id="180" name="Google Shape;180;ge260998fd6_0_0"/>
-          <p:cNvSpPr txBox="1">
-            <a:spLocks noGrp="1"/>
-          </p:cNvSpPr>
-          <p:nvPr>
-            <p:ph type="title"/>
-          </p:nvPr>
+          <p:cNvPr id="2" name="Rectangle 1">
+            <a:extLst>
+              <a:ext uri="{FF2B5EF4-FFF2-40B4-BE49-F238E27FC236}">
+                <a16:creationId xmlns:a16="http://schemas.microsoft.com/office/drawing/2014/main" id="{97E269CB-2750-7942-A43A-2F7CAFE88223}"/>
+              </a:ext>
+            </a:extLst>
+          </p:cNvPr>
+          <p:cNvSpPr/>
+          <p:nvPr/>
         </p:nvSpPr>
         <p:spPr>
           <a:xfrm>
-            <a:off x="838200" y="365125"/>
-            <a:ext cx="10515600" cy="1325700"/>
+            <a:off x="2583037" y="6116497"/>
+            <a:ext cx="6096000" cy="646331"/>
           </a:xfrm>
           <a:prstGeom prst="rect">
             <a:avLst/>
           </a:prstGeom>
-          <a:noFill/>
-          <a:ln>
-            <a:noFill/>
-          </a:ln>
         </p:spPr>
         <p:txBody>
-          <a:bodyPr spcFirstLastPara="1" wrap="square" lIns="91425" tIns="45700" rIns="91425" bIns="45700" anchor="ctr" anchorCtr="0">
-            <a:normAutofit/>
+          <a:bodyPr>
+            <a:spAutoFit/>
           </a:bodyPr>
           <a:lstStyle/>
           <a:p>
-            <a:pPr marL="0" lvl="0" indent="0" algn="l" rtl="0">
-              <a:lnSpc>
-                <a:spcPct val="90000"/>
-              </a:lnSpc>
-              <a:spcBef>
-                <a:spcPts val="0"/>
-              </a:spcBef>
-              <a:spcAft>
-                <a:spcPts val="0"/>
-              </a:spcAft>
-              <a:buSzPts val="1800"/>
-              <a:buNone/>
-            </a:pPr>
-            <a:endParaRPr dirty="0"/>
-          </a:p>
-        </p:txBody>
-      </p:sp>
-      <p:sp>
-        <p:nvSpPr>
-          <p:cNvPr id="181" name="Google Shape;181;ge260998fd6_0_0"/>
-          <p:cNvSpPr txBox="1">
-            <a:spLocks noGrp="1"/>
-          </p:cNvSpPr>
-          <p:nvPr>
-            <p:ph type="body" idx="1"/>
-          </p:nvPr>
-        </p:nvSpPr>
-        <p:spPr>
-          <a:xfrm>
-            <a:off x="838200" y="1825625"/>
-            <a:ext cx="10515600" cy="4351200"/>
-          </a:xfrm>
-          <a:prstGeom prst="rect">
-            <a:avLst/>
-          </a:prstGeom>
-          <a:noFill/>
-          <a:ln>
-            <a:noFill/>
-          </a:ln>
-        </p:spPr>
-        <p:txBody>
-          <a:bodyPr spcFirstLastPara="1" wrap="square" lIns="91425" tIns="45700" rIns="91425" bIns="45700" anchor="t" anchorCtr="0">
-            <a:normAutofit/>
-          </a:bodyPr>
-          <a:lstStyle/>
-          <a:p>
-            <a:pPr marL="0" lvl="0" indent="0" algn="l" rtl="0">
-              <a:lnSpc>
-                <a:spcPct val="90000"/>
-              </a:lnSpc>
-              <a:spcBef>
-                <a:spcPts val="1000"/>
-              </a:spcBef>
-              <a:spcAft>
-                <a:spcPts val="0"/>
-              </a:spcAft>
-              <a:buSzPts val="1800"/>
-              <a:buNone/>
-            </a:pPr>
-            <a:r>
-              <a:rPr lang="en-US" sz="1950" dirty="0">
-                <a:solidFill>
-                  <a:srgbClr val="1D1C1D"/>
-                </a:solidFill>
-                <a:highlight>
-                  <a:srgbClr val="F8F8F8"/>
-                </a:highlight>
-                <a:latin typeface="+mn-lt"/>
-                <a:ea typeface="Arial"/>
-                <a:cs typeface="Arial"/>
-                <a:sym typeface="Arial"/>
-              </a:rPr>
-              <a:t>Reportable region bed file (REPORT= intervals are the ones that are actual reportable for </a:t>
-            </a:r>
-            <a:r>
-              <a:rPr lang="en-US" sz="1950" dirty="0" err="1">
-                <a:solidFill>
-                  <a:srgbClr val="1D1C1D"/>
-                </a:solidFill>
-                <a:highlight>
-                  <a:srgbClr val="F8F8F8"/>
-                </a:highlight>
-                <a:latin typeface="+mn-lt"/>
-                <a:ea typeface="Arial"/>
-                <a:cs typeface="Arial"/>
-                <a:sym typeface="Arial"/>
-              </a:rPr>
-              <a:t>snvs</a:t>
-            </a:r>
-            <a:r>
-              <a:rPr lang="en-US" sz="1950" dirty="0">
-                <a:solidFill>
-                  <a:srgbClr val="1D1C1D"/>
-                </a:solidFill>
-                <a:highlight>
-                  <a:srgbClr val="F8F8F8"/>
-                </a:highlight>
-                <a:latin typeface="+mn-lt"/>
-                <a:ea typeface="Arial"/>
-                <a:cs typeface="Arial"/>
-                <a:sym typeface="Arial"/>
-              </a:rPr>
-              <a:t> and indels): </a:t>
-            </a:r>
-            <a:r>
-              <a:rPr lang="en-US" sz="1950" u="sng" dirty="0">
-                <a:solidFill>
-                  <a:schemeClr val="hlink"/>
-                </a:solidFill>
-                <a:highlight>
-                  <a:srgbClr val="F8F8F8"/>
-                </a:highlight>
-                <a:latin typeface="+mn-lt"/>
-                <a:ea typeface="Arial"/>
-                <a:cs typeface="Arial"/>
-                <a:sym typeface="Arial"/>
-                <a:hlinkClick r:id="rId3"/>
-              </a:rPr>
-              <a:t>https://github.com/guardant/ghpipeline/blob/master/parameter_sets/Omni/v1.0/Omni1.0_annotated_reportable_regions.bed</a:t>
-            </a:r>
-            <a:endParaRPr sz="3600" dirty="0">
-              <a:latin typeface="+mn-lt"/>
-            </a:endParaRPr>
-          </a:p>
-          <a:p>
-            <a:pPr marL="0" lvl="0" indent="0" algn="l" rtl="0">
-              <a:lnSpc>
-                <a:spcPct val="90000"/>
-              </a:lnSpc>
-              <a:spcBef>
-                <a:spcPts val="1000"/>
-              </a:spcBef>
-              <a:spcAft>
-                <a:spcPts val="0"/>
-              </a:spcAft>
-              <a:buSzPts val="1800"/>
-              <a:buNone/>
-            </a:pPr>
-            <a:endParaRPr sz="3600" dirty="0">
-              <a:latin typeface="+mn-lt"/>
-            </a:endParaRPr>
-          </a:p>
-          <a:p>
-            <a:pPr marL="0" marR="190500" lvl="0" indent="0" algn="l" rtl="0">
-              <a:lnSpc>
-                <a:spcPct val="146668"/>
-              </a:lnSpc>
-              <a:spcBef>
-                <a:spcPts val="0"/>
-              </a:spcBef>
-              <a:spcAft>
-                <a:spcPts val="0"/>
-              </a:spcAft>
-              <a:buClr>
-                <a:schemeClr val="dk1"/>
-              </a:buClr>
-              <a:buSzPts val="1100"/>
-              <a:buFont typeface="Arial"/>
-              <a:buNone/>
-            </a:pPr>
-            <a:r>
-              <a:rPr lang="en-US" sz="1950" dirty="0">
-                <a:solidFill>
-                  <a:srgbClr val="1D1C1D"/>
-                </a:solidFill>
-                <a:highlight>
-                  <a:srgbClr val="F8F8F8"/>
-                </a:highlight>
-                <a:latin typeface="+mn-lt"/>
-                <a:ea typeface="Arial"/>
-                <a:cs typeface="Arial"/>
-                <a:sym typeface="Arial"/>
-              </a:rPr>
-              <a:t>For off/on-target, use this bed file: </a:t>
-            </a:r>
-            <a:r>
-              <a:rPr lang="en-US" sz="1950" dirty="0">
-                <a:solidFill>
-                  <a:schemeClr val="hlink"/>
-                </a:solidFill>
-                <a:highlight>
-                  <a:srgbClr val="F8F8F8"/>
-                </a:highlight>
-                <a:uFill>
-                  <a:noFill/>
-                </a:uFill>
-                <a:latin typeface="+mn-lt"/>
-                <a:ea typeface="Arial"/>
-                <a:cs typeface="Arial"/>
-                <a:sym typeface="Arial"/>
-                <a:hlinkClick r:id="rId4"/>
-              </a:rPr>
-              <a:t>https://github.com/guardant/ghpipeline/blob/master/parameter_sets/Omni/v1.0/Omni1.0_panel.bed</a:t>
-            </a:r>
-            <a:endParaRPr sz="1950" dirty="0">
-              <a:solidFill>
-                <a:schemeClr val="hlink"/>
-              </a:solidFill>
-              <a:highlight>
-                <a:srgbClr val="F8F8F8"/>
-              </a:highlight>
-              <a:latin typeface="+mn-lt"/>
-              <a:ea typeface="Arial"/>
-              <a:cs typeface="Arial"/>
-              <a:sym typeface="Arial"/>
-            </a:endParaRPr>
-          </a:p>
-          <a:p>
-            <a:pPr marL="0" lvl="0" indent="0" algn="l" rtl="0">
-              <a:lnSpc>
-                <a:spcPct val="90000"/>
-              </a:lnSpc>
-              <a:spcBef>
-                <a:spcPts val="1000"/>
-              </a:spcBef>
-              <a:spcAft>
-                <a:spcPts val="0"/>
-              </a:spcAft>
-              <a:buSzPts val="1800"/>
-              <a:buNone/>
-            </a:pPr>
-            <a:endParaRPr sz="3600" dirty="0">
-              <a:latin typeface="+mn-lt"/>
-            </a:endParaRPr>
+            <a:r>
+              <a:rPr lang="en-US" dirty="0"/>
+              <a:t>@</a:t>
+            </a:r>
+            <a:r>
+              <a:rPr lang="en-US" dirty="0" err="1"/>
+              <a:t>xili@guardanthealth.com</a:t>
+            </a:r>
+            <a:r>
+              <a:rPr lang="en-US" dirty="0"/>
+              <a:t> Great! This shows that the probes are involved in pulling down the non-human reads</a:t>
+            </a:r>
           </a:p>
         </p:txBody>
       </p:sp>
     </p:spTree>
     <p:extLst>
       <p:ext uri="{BB962C8B-B14F-4D97-AF65-F5344CB8AC3E}">
-        <p14:creationId xmlns:p14="http://schemas.microsoft.com/office/powerpoint/2010/main" val="4086393090"/>
+        <p14:creationId xmlns:p14="http://schemas.microsoft.com/office/powerpoint/2010/main" val="3464165910"/>
       </p:ext>
     </p:extLst>
   </p:cSld>

--- a/Progress_report/Ravi/Non_hg_contimination_XIANGLI_07082021.pptx
+++ b/Progress_report/Ravi/Non_hg_contimination_XIANGLI_07082021.pptx
@@ -5,7 +5,7 @@
     <p:sldMasterId id="2147483648" r:id="rId1"/>
   </p:sldMasterIdLst>
   <p:notesMasterIdLst>
-    <p:notesMasterId r:id="rId14"/>
+    <p:notesMasterId r:id="rId24"/>
   </p:notesMasterIdLst>
   <p:sldIdLst>
     <p:sldId id="256" r:id="rId2"/>
@@ -18,8 +18,18 @@
     <p:sldId id="262" r:id="rId9"/>
     <p:sldId id="264" r:id="rId10"/>
     <p:sldId id="265" r:id="rId11"/>
-    <p:sldId id="266" r:id="rId12"/>
-    <p:sldId id="267" r:id="rId13"/>
+    <p:sldId id="268" r:id="rId12"/>
+    <p:sldId id="266" r:id="rId13"/>
+    <p:sldId id="269" r:id="rId14"/>
+    <p:sldId id="267" r:id="rId15"/>
+    <p:sldId id="271" r:id="rId16"/>
+    <p:sldId id="272" r:id="rId17"/>
+    <p:sldId id="270" r:id="rId18"/>
+    <p:sldId id="274" r:id="rId19"/>
+    <p:sldId id="276" r:id="rId20"/>
+    <p:sldId id="275" r:id="rId21"/>
+    <p:sldId id="277" r:id="rId22"/>
+    <p:sldId id="278" r:id="rId23"/>
   </p:sldIdLst>
   <p:sldSz cx="12192000" cy="6858000"/>
   <p:notesSz cx="6858000" cy="9144000"/>
@@ -137,8 +147,22 @@
         </p14:section>
         <p14:section name="Work_From_Ravi" id="{F96B37FC-92C7-C34D-BEA6-B03308E9D8CB}">
           <p14:sldIdLst>
+            <p14:sldId id="268"/>
             <p14:sldId id="266"/>
+            <p14:sldId id="269"/>
             <p14:sldId id="267"/>
+            <p14:sldId id="271"/>
+            <p14:sldId id="272"/>
+            <p14:sldId id="270"/>
+            <p14:sldId id="274"/>
+            <p14:sldId id="276"/>
+            <p14:sldId id="275"/>
+            <p14:sldId id="277"/>
+          </p14:sldIdLst>
+        </p14:section>
+        <p14:section name="AWS" id="{50EED230-45D8-6845-9FCE-725B010CAF3A}">
+          <p14:sldIdLst>
+            <p14:sldId id="278"/>
           </p14:sldIdLst>
         </p14:section>
         <p14:section name="Default Section" id="{3156BE32-9114-7D47-A5D1-912D012EEBF7}">
@@ -235,7 +259,7 @@
           <a:p>
             <a:fld id="{1CA40409-52BE-F544-81FC-C51B7C4F3A68}" type="datetimeFigureOut">
               <a:rPr lang="en-US" smtClean="0"/>
-              <a:t>7/13/21</a:t>
+              <a:t>7/21/21</a:t>
             </a:fld>
             <a:endParaRPr lang="en-US"/>
           </a:p>
@@ -620,6 +644,205 @@
     <p:extLst>
       <p:ext uri="{BB962C8B-B14F-4D97-AF65-F5344CB8AC3E}">
         <p14:creationId xmlns:p14="http://schemas.microsoft.com/office/powerpoint/2010/main" val="1858893255"/>
+      </p:ext>
+    </p:extLst>
+  </p:cSld>
+  <p:clrMapOvr>
+    <a:masterClrMapping/>
+  </p:clrMapOvr>
+</p:notes>
+</file>
+
+<file path=ppt/notesSlides/notesSlide10.xml><?xml version="1.0" encoding="utf-8"?>
+<p:notes xmlns:a="http://schemas.openxmlformats.org/drawingml/2006/main" xmlns:r="http://schemas.openxmlformats.org/officeDocument/2006/relationships" xmlns:p="http://schemas.openxmlformats.org/presentationml/2006/main">
+  <p:cSld>
+    <p:spTree>
+      <p:nvGrpSpPr>
+        <p:cNvPr id="1" name=""/>
+        <p:cNvGrpSpPr/>
+        <p:nvPr/>
+      </p:nvGrpSpPr>
+      <p:grpSpPr>
+        <a:xfrm>
+          <a:off x="0" y="0"/>
+          <a:ext cx="0" cy="0"/>
+          <a:chOff x="0" y="0"/>
+          <a:chExt cx="0" cy="0"/>
+        </a:xfrm>
+      </p:grpSpPr>
+      <p:sp>
+        <p:nvSpPr>
+          <p:cNvPr id="2" name="Slide Image Placeholder 1"/>
+          <p:cNvSpPr>
+            <a:spLocks noGrp="1" noRot="1" noChangeAspect="1"/>
+          </p:cNvSpPr>
+          <p:nvPr>
+            <p:ph type="sldImg"/>
+          </p:nvPr>
+        </p:nvSpPr>
+        <p:spPr/>
+      </p:sp>
+      <p:sp>
+        <p:nvSpPr>
+          <p:cNvPr id="3" name="Notes Placeholder 2"/>
+          <p:cNvSpPr>
+            <a:spLocks noGrp="1"/>
+          </p:cNvSpPr>
+          <p:nvPr>
+            <p:ph type="body" idx="1"/>
+          </p:nvPr>
+        </p:nvSpPr>
+        <p:spPr/>
+        <p:txBody>
+          <a:bodyPr/>
+          <a:lstStyle/>
+          <a:p>
+            <a:endParaRPr lang="en-US"/>
+          </a:p>
+        </p:txBody>
+      </p:sp>
+      <p:sp>
+        <p:nvSpPr>
+          <p:cNvPr id="4" name="Slide Number Placeholder 3"/>
+          <p:cNvSpPr>
+            <a:spLocks noGrp="1"/>
+          </p:cNvSpPr>
+          <p:nvPr>
+            <p:ph type="sldNum" sz="quarter" idx="5"/>
+          </p:nvPr>
+        </p:nvSpPr>
+        <p:spPr/>
+        <p:txBody>
+          <a:bodyPr/>
+          <a:lstStyle/>
+          <a:p>
+            <a:fld id="{796C057E-89DA-564D-BD07-6DD635C62318}" type="slidenum">
+              <a:rPr lang="en-US" smtClean="0"/>
+              <a:t>14</a:t>
+            </a:fld>
+            <a:endParaRPr lang="en-US"/>
+          </a:p>
+        </p:txBody>
+      </p:sp>
+    </p:spTree>
+    <p:extLst>
+      <p:ext uri="{BB962C8B-B14F-4D97-AF65-F5344CB8AC3E}">
+        <p14:creationId xmlns:p14="http://schemas.microsoft.com/office/powerpoint/2010/main" val="697292749"/>
+      </p:ext>
+    </p:extLst>
+  </p:cSld>
+  <p:clrMapOvr>
+    <a:masterClrMapping/>
+  </p:clrMapOvr>
+</p:notes>
+</file>
+
+<file path=ppt/notesSlides/notesSlide11.xml><?xml version="1.0" encoding="utf-8"?>
+<p:notes xmlns:a="http://schemas.openxmlformats.org/drawingml/2006/main" xmlns:r="http://schemas.openxmlformats.org/officeDocument/2006/relationships" xmlns:p="http://schemas.openxmlformats.org/presentationml/2006/main">
+  <p:cSld>
+    <p:spTree>
+      <p:nvGrpSpPr>
+        <p:cNvPr id="1" name=""/>
+        <p:cNvGrpSpPr/>
+        <p:nvPr/>
+      </p:nvGrpSpPr>
+      <p:grpSpPr>
+        <a:xfrm>
+          <a:off x="0" y="0"/>
+          <a:ext cx="0" cy="0"/>
+          <a:chOff x="0" y="0"/>
+          <a:chExt cx="0" cy="0"/>
+        </a:xfrm>
+      </p:grpSpPr>
+      <p:sp>
+        <p:nvSpPr>
+          <p:cNvPr id="2" name="Slide Image Placeholder 1"/>
+          <p:cNvSpPr>
+            <a:spLocks noGrp="1" noRot="1" noChangeAspect="1"/>
+          </p:cNvSpPr>
+          <p:nvPr>
+            <p:ph type="sldImg"/>
+          </p:nvPr>
+        </p:nvSpPr>
+        <p:spPr/>
+      </p:sp>
+      <p:sp>
+        <p:nvSpPr>
+          <p:cNvPr id="3" name="Notes Placeholder 2"/>
+          <p:cNvSpPr>
+            <a:spLocks noGrp="1"/>
+          </p:cNvSpPr>
+          <p:nvPr>
+            <p:ph type="body" idx="1"/>
+          </p:nvPr>
+        </p:nvSpPr>
+        <p:spPr/>
+        <p:txBody>
+          <a:bodyPr/>
+          <a:lstStyle/>
+          <a:p>
+            <a:pPr marL="0" marR="0" lvl="0" indent="0" algn="l" defTabSz="914400" rtl="0" eaLnBrk="1" fontAlgn="auto" latinLnBrk="0" hangingPunct="1">
+              <a:lnSpc>
+                <a:spcPct val="100000"/>
+              </a:lnSpc>
+              <a:spcBef>
+                <a:spcPts val="0"/>
+              </a:spcBef>
+              <a:spcAft>
+                <a:spcPts val="0"/>
+              </a:spcAft>
+              <a:buClrTx/>
+              <a:buSzTx/>
+              <a:buFontTx/>
+              <a:buNone/>
+              <a:tabLst/>
+              <a:defRPr/>
+            </a:pPr>
+            <a:r>
+              <a:rPr lang="en-US" dirty="0"/>
+              <a:t>ARTIFACTORY_USERNAME=</a:t>
+            </a:r>
+            <a:r>
+              <a:rPr lang="en-US" dirty="0" err="1"/>
+              <a:t>ghbi_service</a:t>
+            </a:r>
+            <a:br>
+              <a:rPr lang="en-US" dirty="0"/>
+            </a:br>
+            <a:r>
+              <a:rPr lang="en-US" dirty="0"/>
+              <a:t>ARTIFACTORY_PASSWORD=Password123</a:t>
+            </a:r>
+          </a:p>
+        </p:txBody>
+      </p:sp>
+      <p:sp>
+        <p:nvSpPr>
+          <p:cNvPr id="4" name="Slide Number Placeholder 3"/>
+          <p:cNvSpPr>
+            <a:spLocks noGrp="1"/>
+          </p:cNvSpPr>
+          <p:nvPr>
+            <p:ph type="sldNum" sz="quarter" idx="5"/>
+          </p:nvPr>
+        </p:nvSpPr>
+        <p:spPr/>
+        <p:txBody>
+          <a:bodyPr/>
+          <a:lstStyle/>
+          <a:p>
+            <a:fld id="{796C057E-89DA-564D-BD07-6DD635C62318}" type="slidenum">
+              <a:rPr lang="en-US" smtClean="0"/>
+              <a:t>15</a:t>
+            </a:fld>
+            <a:endParaRPr lang="en-US"/>
+          </a:p>
+        </p:txBody>
+      </p:sp>
+    </p:spTree>
+    <p:extLst>
+      <p:ext uri="{BB962C8B-B14F-4D97-AF65-F5344CB8AC3E}">
+        <p14:creationId xmlns:p14="http://schemas.microsoft.com/office/powerpoint/2010/main" val="3210679898"/>
       </p:ext>
     </p:extLst>
   </p:cSld>
@@ -1823,7 +2046,56 @@
           <a:bodyPr/>
           <a:lstStyle/>
           <a:p>
-            <a:endParaRPr lang="en-US"/>
+            <a:r>
+              <a:rPr lang="en-US" sz="1200" kern="1200" dirty="0">
+                <a:solidFill>
+                  <a:schemeClr val="tx1"/>
+                </a:solidFill>
+                <a:effectLst/>
+                <a:latin typeface="+mn-lt"/>
+                <a:ea typeface="+mn-ea"/>
+                <a:cs typeface="+mn-cs"/>
+              </a:rPr>
+              <a:t>export ARTIFACTORY_USERNAME=</a:t>
+            </a:r>
+            <a:r>
+              <a:rPr lang="en-US" sz="1200" kern="1200" dirty="0" err="1">
+                <a:solidFill>
+                  <a:schemeClr val="tx1"/>
+                </a:solidFill>
+                <a:effectLst/>
+                <a:latin typeface="+mn-lt"/>
+                <a:ea typeface="+mn-ea"/>
+                <a:cs typeface="+mn-cs"/>
+              </a:rPr>
+              <a:t>ghbi_service</a:t>
+            </a:r>
+            <a:endParaRPr lang="en-US" sz="1200" kern="1200" dirty="0">
+              <a:solidFill>
+                <a:schemeClr val="tx1"/>
+              </a:solidFill>
+              <a:effectLst/>
+              <a:latin typeface="+mn-lt"/>
+              <a:ea typeface="+mn-ea"/>
+              <a:cs typeface="+mn-cs"/>
+            </a:endParaRPr>
+          </a:p>
+          <a:p>
+            <a:r>
+              <a:rPr lang="en-US" sz="1200" kern="1200" dirty="0">
+                <a:solidFill>
+                  <a:schemeClr val="tx1"/>
+                </a:solidFill>
+                <a:effectLst/>
+                <a:latin typeface="+mn-lt"/>
+                <a:ea typeface="+mn-ea"/>
+                <a:cs typeface="+mn-cs"/>
+              </a:rPr>
+              <a:t>export ARTIFACTORY_PASSWORD=Password123</a:t>
+            </a:r>
+          </a:p>
+          <a:p>
+            <a:endParaRPr lang="en-US" dirty="0"/>
           </a:p>
         </p:txBody>
       </p:sp>
@@ -1844,7 +2116,7 @@
           <a:p>
             <a:fld id="{796C057E-89DA-564D-BD07-6DD635C62318}" type="slidenum">
               <a:rPr lang="en-US" smtClean="0"/>
-              <a:t>12</a:t>
+              <a:t>13</a:t>
             </a:fld>
             <a:endParaRPr lang="en-US"/>
           </a:p>
@@ -1853,7 +2125,7 @@
     </p:spTree>
     <p:extLst>
       <p:ext uri="{BB962C8B-B14F-4D97-AF65-F5344CB8AC3E}">
-        <p14:creationId xmlns:p14="http://schemas.microsoft.com/office/powerpoint/2010/main" val="697292749"/>
+        <p14:creationId xmlns:p14="http://schemas.microsoft.com/office/powerpoint/2010/main" val="904431039"/>
       </p:ext>
     </p:extLst>
   </p:cSld>
@@ -2010,7 +2282,7 @@
           <a:p>
             <a:fld id="{7A60DCE2-A685-AB47-931F-31D8ECA7B24B}" type="datetimeFigureOut">
               <a:rPr lang="en-US" smtClean="0"/>
-              <a:t>7/13/21</a:t>
+              <a:t>7/21/21</a:t>
             </a:fld>
             <a:endParaRPr lang="en-US"/>
           </a:p>
@@ -2208,7 +2480,7 @@
           <a:p>
             <a:fld id="{7A60DCE2-A685-AB47-931F-31D8ECA7B24B}" type="datetimeFigureOut">
               <a:rPr lang="en-US" smtClean="0"/>
-              <a:t>7/13/21</a:t>
+              <a:t>7/21/21</a:t>
             </a:fld>
             <a:endParaRPr lang="en-US"/>
           </a:p>
@@ -2416,7 +2688,7 @@
           <a:p>
             <a:fld id="{7A60DCE2-A685-AB47-931F-31D8ECA7B24B}" type="datetimeFigureOut">
               <a:rPr lang="en-US" smtClean="0"/>
-              <a:t>7/13/21</a:t>
+              <a:t>7/21/21</a:t>
             </a:fld>
             <a:endParaRPr lang="en-US"/>
           </a:p>
@@ -3245,7 +3517,7 @@
           <a:p>
             <a:fld id="{7A60DCE2-A685-AB47-931F-31D8ECA7B24B}" type="datetimeFigureOut">
               <a:rPr lang="en-US" smtClean="0"/>
-              <a:t>7/13/21</a:t>
+              <a:t>7/21/21</a:t>
             </a:fld>
             <a:endParaRPr lang="en-US"/>
           </a:p>
@@ -3520,7 +3792,7 @@
           <a:p>
             <a:fld id="{7A60DCE2-A685-AB47-931F-31D8ECA7B24B}" type="datetimeFigureOut">
               <a:rPr lang="en-US" smtClean="0"/>
-              <a:t>7/13/21</a:t>
+              <a:t>7/21/21</a:t>
             </a:fld>
             <a:endParaRPr lang="en-US"/>
           </a:p>
@@ -3785,7 +4057,7 @@
           <a:p>
             <a:fld id="{7A60DCE2-A685-AB47-931F-31D8ECA7B24B}" type="datetimeFigureOut">
               <a:rPr lang="en-US" smtClean="0"/>
-              <a:t>7/13/21</a:t>
+              <a:t>7/21/21</a:t>
             </a:fld>
             <a:endParaRPr lang="en-US"/>
           </a:p>
@@ -4197,7 +4469,7 @@
           <a:p>
             <a:fld id="{7A60DCE2-A685-AB47-931F-31D8ECA7B24B}" type="datetimeFigureOut">
               <a:rPr lang="en-US" smtClean="0"/>
-              <a:t>7/13/21</a:t>
+              <a:t>7/21/21</a:t>
             </a:fld>
             <a:endParaRPr lang="en-US"/>
           </a:p>
@@ -4338,7 +4610,7 @@
           <a:p>
             <a:fld id="{7A60DCE2-A685-AB47-931F-31D8ECA7B24B}" type="datetimeFigureOut">
               <a:rPr lang="en-US" smtClean="0"/>
-              <a:t>7/13/21</a:t>
+              <a:t>7/21/21</a:t>
             </a:fld>
             <a:endParaRPr lang="en-US"/>
           </a:p>
@@ -4451,7 +4723,7 @@
           <a:p>
             <a:fld id="{7A60DCE2-A685-AB47-931F-31D8ECA7B24B}" type="datetimeFigureOut">
               <a:rPr lang="en-US" smtClean="0"/>
-              <a:t>7/13/21</a:t>
+              <a:t>7/21/21</a:t>
             </a:fld>
             <a:endParaRPr lang="en-US"/>
           </a:p>
@@ -4762,7 +5034,7 @@
           <a:p>
             <a:fld id="{7A60DCE2-A685-AB47-931F-31D8ECA7B24B}" type="datetimeFigureOut">
               <a:rPr lang="en-US" smtClean="0"/>
-              <a:t>7/13/21</a:t>
+              <a:t>7/21/21</a:t>
             </a:fld>
             <a:endParaRPr lang="en-US"/>
           </a:p>
@@ -5050,7 +5322,7 @@
           <a:p>
             <a:fld id="{7A60DCE2-A685-AB47-931F-31D8ECA7B24B}" type="datetimeFigureOut">
               <a:rPr lang="en-US" smtClean="0"/>
-              <a:t>7/13/21</a:t>
+              <a:t>7/21/21</a:t>
             </a:fld>
             <a:endParaRPr lang="en-US"/>
           </a:p>
@@ -5291,7 +5563,7 @@
           <a:p>
             <a:fld id="{7A60DCE2-A685-AB47-931F-31D8ECA7B24B}" type="datetimeFigureOut">
               <a:rPr lang="en-US" smtClean="0"/>
-              <a:t>7/13/21</a:t>
+              <a:t>7/21/21</a:t>
             </a:fld>
             <a:endParaRPr lang="en-US"/>
           </a:p>
@@ -6036,6 +6308,128 @@
           <p:cNvPr id="2" name="Title 1">
             <a:extLst>
               <a:ext uri="{FF2B5EF4-FFF2-40B4-BE49-F238E27FC236}">
+                <a16:creationId xmlns:a16="http://schemas.microsoft.com/office/drawing/2014/main" id="{C5204FFE-25C6-344E-94E5-41A47D61FEAB}"/>
+              </a:ext>
+            </a:extLst>
+          </p:cNvPr>
+          <p:cNvSpPr>
+            <a:spLocks noGrp="1"/>
+          </p:cNvSpPr>
+          <p:nvPr>
+            <p:ph type="title"/>
+          </p:nvPr>
+        </p:nvSpPr>
+        <p:spPr/>
+        <p:txBody>
+          <a:bodyPr/>
+          <a:lstStyle/>
+          <a:p>
+            <a:r>
+              <a:rPr lang="en-US" dirty="0"/>
+              <a:t>Further </a:t>
+            </a:r>
+          </a:p>
+        </p:txBody>
+      </p:sp>
+      <p:sp>
+        <p:nvSpPr>
+          <p:cNvPr id="3" name="Content Placeholder 2">
+            <a:extLst>
+              <a:ext uri="{FF2B5EF4-FFF2-40B4-BE49-F238E27FC236}">
+                <a16:creationId xmlns:a16="http://schemas.microsoft.com/office/drawing/2014/main" id="{ADF6659D-CD5E-CE42-B8A9-43934F3D1A10}"/>
+              </a:ext>
+            </a:extLst>
+          </p:cNvPr>
+          <p:cNvSpPr>
+            <a:spLocks noGrp="1"/>
+          </p:cNvSpPr>
+          <p:nvPr>
+            <p:ph idx="1"/>
+          </p:nvPr>
+        </p:nvSpPr>
+        <p:spPr/>
+        <p:txBody>
+          <a:bodyPr/>
+          <a:lstStyle/>
+          <a:p>
+            <a:r>
+              <a:rPr lang="en-US" dirty="0"/>
+              <a:t>Running 900 samples in mystic (Fine)</a:t>
+            </a:r>
+          </a:p>
+          <a:p>
+            <a:r>
+              <a:rPr lang="en-US" dirty="0"/>
+              <a:t> for oldt_set1 several contaminations</a:t>
+            </a:r>
+          </a:p>
+          <a:p>
+            <a:pPr lvl="1"/>
+            <a:r>
+              <a:rPr lang="en-US" sz="2000" dirty="0"/>
+              <a:t>One of the samples that takes a really long time: A033637501 in oldt_set1</a:t>
+            </a:r>
+          </a:p>
+          <a:p>
+            <a:pPr lvl="1"/>
+            <a:r>
+              <a:rPr lang="en-US" sz="2000" dirty="0"/>
+              <a:t>/</a:t>
+            </a:r>
+            <a:r>
+              <a:rPr lang="en-US" sz="2000" dirty="0" err="1"/>
+              <a:t>ghess</a:t>
+            </a:r>
+            <a:r>
+              <a:rPr lang="en-US" sz="2000" dirty="0"/>
+              <a:t>/groups/algorithms/projects/</a:t>
+            </a:r>
+            <a:r>
+              <a:rPr lang="en-US" sz="2000" dirty="0" err="1"/>
+              <a:t>non_human_contamination</a:t>
+            </a:r>
+            <a:r>
+              <a:rPr lang="en-US" sz="2000" dirty="0"/>
+              <a:t>/results/oldt_set1/A033637501_qsub.sh</a:t>
+            </a:r>
+          </a:p>
+        </p:txBody>
+      </p:sp>
+    </p:spTree>
+    <p:extLst>
+      <p:ext uri="{BB962C8B-B14F-4D97-AF65-F5344CB8AC3E}">
+        <p14:creationId xmlns:p14="http://schemas.microsoft.com/office/powerpoint/2010/main" val="2691105439"/>
+      </p:ext>
+    </p:extLst>
+  </p:cSld>
+  <p:clrMapOvr>
+    <a:masterClrMapping/>
+  </p:clrMapOvr>
+</p:sld>
+</file>
+
+<file path=ppt/slides/slide12.xml><?xml version="1.0" encoding="utf-8"?>
+<p:sld xmlns:a="http://schemas.openxmlformats.org/drawingml/2006/main" xmlns:r="http://schemas.openxmlformats.org/officeDocument/2006/relationships" xmlns:p="http://schemas.openxmlformats.org/presentationml/2006/main">
+  <p:cSld>
+    <p:spTree>
+      <p:nvGrpSpPr>
+        <p:cNvPr id="1" name=""/>
+        <p:cNvGrpSpPr/>
+        <p:nvPr/>
+      </p:nvGrpSpPr>
+      <p:grpSpPr>
+        <a:xfrm>
+          <a:off x="0" y="0"/>
+          <a:ext cx="0" cy="0"/>
+          <a:chOff x="0" y="0"/>
+          <a:chExt cx="0" cy="0"/>
+        </a:xfrm>
+      </p:grpSpPr>
+      <p:sp>
+        <p:nvSpPr>
+          <p:cNvPr id="2" name="Title 1">
+            <a:extLst>
+              <a:ext uri="{FF2B5EF4-FFF2-40B4-BE49-F238E27FC236}">
                 <a16:creationId xmlns:a16="http://schemas.microsoft.com/office/drawing/2014/main" id="{3F6BE2B2-FF83-6248-BF53-71D8F4038D3A}"/>
               </a:ext>
             </a:extLst>
@@ -6298,7 +6692,156 @@
 </p:sld>
 </file>
 
-<file path=ppt/slides/slide12.xml><?xml version="1.0" encoding="utf-8"?>
+<file path=ppt/slides/slide13.xml><?xml version="1.0" encoding="utf-8"?>
+<p:sld xmlns:a="http://schemas.openxmlformats.org/drawingml/2006/main" xmlns:r="http://schemas.openxmlformats.org/officeDocument/2006/relationships" xmlns:p="http://schemas.openxmlformats.org/presentationml/2006/main">
+  <p:cSld>
+    <p:spTree>
+      <p:nvGrpSpPr>
+        <p:cNvPr id="1" name=""/>
+        <p:cNvGrpSpPr/>
+        <p:nvPr/>
+      </p:nvGrpSpPr>
+      <p:grpSpPr>
+        <a:xfrm>
+          <a:off x="0" y="0"/>
+          <a:ext cx="0" cy="0"/>
+          <a:chOff x="0" y="0"/>
+          <a:chExt cx="0" cy="0"/>
+        </a:xfrm>
+      </p:grpSpPr>
+      <p:sp>
+        <p:nvSpPr>
+          <p:cNvPr id="2" name="Title 1">
+            <a:extLst>
+              <a:ext uri="{FF2B5EF4-FFF2-40B4-BE49-F238E27FC236}">
+                <a16:creationId xmlns:a16="http://schemas.microsoft.com/office/drawing/2014/main" id="{1C58483D-098E-6445-AE09-6EEA6E88B2F2}"/>
+              </a:ext>
+            </a:extLst>
+          </p:cNvPr>
+          <p:cNvSpPr>
+            <a:spLocks noGrp="1"/>
+          </p:cNvSpPr>
+          <p:nvPr>
+            <p:ph type="title"/>
+          </p:nvPr>
+        </p:nvSpPr>
+        <p:spPr/>
+        <p:txBody>
+          <a:bodyPr/>
+          <a:lstStyle/>
+          <a:p>
+            <a:r>
+              <a:rPr lang="en-US" dirty="0"/>
+              <a:t>Module </a:t>
+            </a:r>
+            <a:r>
+              <a:rPr lang="en-US" dirty="0" err="1"/>
+              <a:t>tamplate</a:t>
+            </a:r>
+            <a:r>
+              <a:rPr lang="en-US" dirty="0"/>
+              <a:t>:</a:t>
+            </a:r>
+            <a:br>
+              <a:rPr lang="en-US" dirty="0"/>
+            </a:br>
+            <a:r>
+              <a:rPr lang="en-US" dirty="0"/>
+              <a:t>/</a:t>
+            </a:r>
+            <a:r>
+              <a:rPr lang="en-US" dirty="0" err="1"/>
+              <a:t>ghess</a:t>
+            </a:r>
+            <a:r>
+              <a:rPr lang="en-US" dirty="0"/>
+              <a:t>/groups/lunar/scratch/bip40/modules</a:t>
+            </a:r>
+          </a:p>
+        </p:txBody>
+      </p:sp>
+      <p:sp>
+        <p:nvSpPr>
+          <p:cNvPr id="3" name="Content Placeholder 2">
+            <a:extLst>
+              <a:ext uri="{FF2B5EF4-FFF2-40B4-BE49-F238E27FC236}">
+                <a16:creationId xmlns:a16="http://schemas.microsoft.com/office/drawing/2014/main" id="{696C5777-2606-714E-BD66-E4ADAC19A923}"/>
+              </a:ext>
+            </a:extLst>
+          </p:cNvPr>
+          <p:cNvSpPr>
+            <a:spLocks noGrp="1"/>
+          </p:cNvSpPr>
+          <p:nvPr>
+            <p:ph idx="1"/>
+          </p:nvPr>
+        </p:nvSpPr>
+        <p:spPr/>
+        <p:txBody>
+          <a:bodyPr/>
+          <a:lstStyle/>
+          <a:p>
+            <a:r>
+              <a:rPr lang="en-US" dirty="0"/>
+              <a:t>1.) Pipeline logistics - BIP/</a:t>
+            </a:r>
+            <a:r>
+              <a:rPr lang="en-US" dirty="0" err="1"/>
+              <a:t>snakemake</a:t>
+            </a:r>
+            <a:r>
+              <a:rPr lang="en-US" dirty="0"/>
+              <a:t>, and putting together the pipeline that can run locally or on AWS, how to make it run faster, </a:t>
+            </a:r>
+            <a:r>
+              <a:rPr lang="en-US" dirty="0" err="1"/>
+              <a:t>etc</a:t>
+            </a:r>
+            <a:r>
+              <a:rPr lang="en-US" dirty="0"/>
+              <a:t> </a:t>
+            </a:r>
+          </a:p>
+          <a:p>
+            <a:r>
+              <a:rPr lang="en-US" dirty="0"/>
+              <a:t>2)Algorithm development - what MAPQ threshold to use, how to incorporate indels, what are the mouse contamination samples, etc.</a:t>
+            </a:r>
+          </a:p>
+          <a:p>
+            <a:endParaRPr lang="en-US" dirty="0"/>
+          </a:p>
+          <a:p>
+            <a:endParaRPr lang="en-US" dirty="0"/>
+          </a:p>
+          <a:p>
+            <a:r>
+              <a:rPr lang="en-US" dirty="0"/>
+              <a:t>A034621401</a:t>
+            </a:r>
+          </a:p>
+          <a:p>
+            <a:r>
+              <a:rPr lang="en-US" dirty="0"/>
+              <a:t>A03367501</a:t>
+            </a:r>
+          </a:p>
+        </p:txBody>
+      </p:sp>
+    </p:spTree>
+    <p:extLst>
+      <p:ext uri="{BB962C8B-B14F-4D97-AF65-F5344CB8AC3E}">
+        <p14:creationId xmlns:p14="http://schemas.microsoft.com/office/powerpoint/2010/main" val="2674739699"/>
+      </p:ext>
+    </p:extLst>
+  </p:cSld>
+  <p:clrMapOvr>
+    <a:masterClrMapping/>
+  </p:clrMapOvr>
+</p:sld>
+</file>
+
+<file path=ppt/slides/slide14.xml><?xml version="1.0" encoding="utf-8"?>
 <p:sld xmlns:a="http://schemas.openxmlformats.org/drawingml/2006/main" xmlns:r="http://schemas.openxmlformats.org/officeDocument/2006/relationships" xmlns:p="http://schemas.openxmlformats.org/presentationml/2006/main">
   <p:cSld>
     <p:spTree>
@@ -6338,7 +6881,7 @@
           <a:p>
             <a:r>
               <a:rPr lang="en-US" dirty="0"/>
-              <a:t>Build a module</a:t>
+              <a:t>Reference: Build a module</a:t>
             </a:r>
           </a:p>
         </p:txBody>
@@ -6361,8 +6904,41 @@
         </p:nvSpPr>
         <p:spPr/>
         <p:txBody>
-          <a:bodyPr/>
+          <a:bodyPr>
+            <a:normAutofit/>
+          </a:bodyPr>
           <a:lstStyle/>
+          <a:p>
+            <a:endParaRPr lang="en-US" dirty="0"/>
+          </a:p>
+          <a:p>
+            <a:r>
+              <a:rPr lang="en-US" dirty="0"/>
+              <a:t>How to:</a:t>
+            </a:r>
+          </a:p>
+          <a:p>
+            <a:pPr lvl="1"/>
+            <a:r>
+              <a:rPr lang="en-US" dirty="0"/>
+              <a:t>https://</a:t>
+            </a:r>
+            <a:r>
+              <a:rPr lang="en-US" dirty="0" err="1"/>
+              <a:t>guardanthealth.atlassian.net</a:t>
+            </a:r>
+            <a:r>
+              <a:rPr lang="en-US" dirty="0"/>
+              <a:t>/wiki/spaces/BIP40/pages/1329008395/</a:t>
+            </a:r>
+            <a:r>
+              <a:rPr lang="en-US" dirty="0" err="1"/>
+              <a:t>How+to+create+a+new+module</a:t>
+            </a:r>
+            <a:endParaRPr lang="en-US" dirty="0">
+              <a:hlinkClick r:id="rId3"/>
+            </a:endParaRPr>
+          </a:p>
           <a:p>
             <a:r>
               <a:rPr lang="en-US" dirty="0">
@@ -6397,8 +6973,116 @@
         </p:nvSpPr>
         <p:spPr>
           <a:xfrm>
-            <a:off x="1130300" y="4185335"/>
-            <a:ext cx="6096000" cy="646331"/>
+            <a:off x="1111250" y="5665569"/>
+            <a:ext cx="9969500" cy="646331"/>
+          </a:xfrm>
+          <a:prstGeom prst="rect">
+            <a:avLst/>
+          </a:prstGeom>
+        </p:spPr>
+        <p:txBody>
+          <a:bodyPr wrap="square">
+            <a:spAutoFit/>
+          </a:bodyPr>
+          <a:lstStyle/>
+          <a:p>
+            <a:r>
+              <a:rPr lang="en-US" dirty="0"/>
+              <a:t>https://</a:t>
+            </a:r>
+            <a:r>
+              <a:rPr lang="en-US" dirty="0" err="1"/>
+              <a:t>guardanthealth.atlassian.net</a:t>
+            </a:r>
+            <a:r>
+              <a:rPr lang="en-US" dirty="0"/>
+              <a:t>/wiki/spaces/~698448339/pages/2215479869/BIP4+tutorial+and+tips</a:t>
+            </a:r>
+          </a:p>
+        </p:txBody>
+      </p:sp>
+    </p:spTree>
+    <p:extLst>
+      <p:ext uri="{BB962C8B-B14F-4D97-AF65-F5344CB8AC3E}">
+        <p14:creationId xmlns:p14="http://schemas.microsoft.com/office/powerpoint/2010/main" val="3755857907"/>
+      </p:ext>
+    </p:extLst>
+  </p:cSld>
+  <p:clrMapOvr>
+    <a:masterClrMapping/>
+  </p:clrMapOvr>
+</p:sld>
+</file>
+
+<file path=ppt/slides/slide15.xml><?xml version="1.0" encoding="utf-8"?>
+<p:sld xmlns:a="http://schemas.openxmlformats.org/drawingml/2006/main" xmlns:r="http://schemas.openxmlformats.org/officeDocument/2006/relationships" xmlns:p="http://schemas.openxmlformats.org/presentationml/2006/main">
+  <p:cSld>
+    <p:spTree>
+      <p:nvGrpSpPr>
+        <p:cNvPr id="1" name=""/>
+        <p:cNvGrpSpPr/>
+        <p:nvPr/>
+      </p:nvGrpSpPr>
+      <p:grpSpPr>
+        <a:xfrm>
+          <a:off x="0" y="0"/>
+          <a:ext cx="0" cy="0"/>
+          <a:chOff x="0" y="0"/>
+          <a:chExt cx="0" cy="0"/>
+        </a:xfrm>
+      </p:grpSpPr>
+      <p:sp>
+        <p:nvSpPr>
+          <p:cNvPr id="2" name="Title 1">
+            <a:extLst>
+              <a:ext uri="{FF2B5EF4-FFF2-40B4-BE49-F238E27FC236}">
+                <a16:creationId xmlns:a16="http://schemas.microsoft.com/office/drawing/2014/main" id="{6C2DA1CA-C3FE-9F40-96B6-664FD5D9CB08}"/>
+              </a:ext>
+            </a:extLst>
+          </p:cNvPr>
+          <p:cNvSpPr>
+            <a:spLocks noGrp="1"/>
+          </p:cNvSpPr>
+          <p:nvPr>
+            <p:ph type="title"/>
+          </p:nvPr>
+        </p:nvSpPr>
+        <p:spPr/>
+        <p:txBody>
+          <a:bodyPr/>
+          <a:lstStyle/>
+          <a:p>
+            <a:r>
+              <a:rPr lang="en-US" dirty="0"/>
+              <a:t>Template &amp; </a:t>
+            </a:r>
+            <a:r>
+              <a:rPr lang="en-US" dirty="0">
+                <a:solidFill>
+                  <a:srgbClr val="00B050"/>
+                </a:solidFill>
+              </a:rPr>
+              <a:t>Issues</a:t>
+            </a:r>
+          </a:p>
+        </p:txBody>
+      </p:sp>
+      <p:sp>
+        <p:nvSpPr>
+          <p:cNvPr id="6" name="Rectangle 5">
+            <a:extLst>
+              <a:ext uri="{FF2B5EF4-FFF2-40B4-BE49-F238E27FC236}">
+                <a16:creationId xmlns:a16="http://schemas.microsoft.com/office/drawing/2014/main" id="{7E6905E3-C090-C340-BE2F-D0215C5D0C08}"/>
+              </a:ext>
+            </a:extLst>
+          </p:cNvPr>
+          <p:cNvSpPr/>
+          <p:nvPr/>
+        </p:nvSpPr>
+        <p:spPr>
+          <a:xfrm>
+            <a:off x="838200" y="1690688"/>
+            <a:ext cx="6096000" cy="923330"/>
           </a:xfrm>
           <a:prstGeom prst="rect">
             <a:avLst/>
@@ -6411,16 +7095,556 @@
           <a:lstStyle/>
           <a:p>
             <a:r>
+              <a:rPr lang="en-US" dirty="0">
+                <a:solidFill>
+                  <a:srgbClr val="00B050"/>
+                </a:solidFill>
+              </a:rPr>
+              <a:t>1. </a:t>
+            </a:r>
+          </a:p>
+          <a:p>
+            <a:r>
+              <a:rPr lang="en-US" dirty="0">
+                <a:solidFill>
+                  <a:srgbClr val="00B050"/>
+                </a:solidFill>
+              </a:rPr>
+              <a:t>ARTIFACTORY_USERNAME=</a:t>
+            </a:r>
+            <a:r>
+              <a:rPr lang="en-US" dirty="0" err="1">
+                <a:solidFill>
+                  <a:srgbClr val="00B050"/>
+                </a:solidFill>
+              </a:rPr>
+              <a:t>ghbi_service</a:t>
+            </a:r>
+            <a:br>
+              <a:rPr lang="en-US" dirty="0">
+                <a:solidFill>
+                  <a:srgbClr val="00B050"/>
+                </a:solidFill>
+              </a:rPr>
+            </a:br>
+            <a:r>
+              <a:rPr lang="en-US" dirty="0">
+                <a:solidFill>
+                  <a:srgbClr val="00B050"/>
+                </a:solidFill>
+              </a:rPr>
+              <a:t>ARTIFACTORY_PASSWORD=Password123 </a:t>
+            </a:r>
+          </a:p>
+        </p:txBody>
+      </p:sp>
+      <p:pic>
+        <p:nvPicPr>
+          <p:cNvPr id="7" name="Picture 6">
+            <a:extLst>
+              <a:ext uri="{FF2B5EF4-FFF2-40B4-BE49-F238E27FC236}">
+                <a16:creationId xmlns:a16="http://schemas.microsoft.com/office/drawing/2014/main" id="{4AB091BC-BC58-4C4C-95A8-07D13A995676}"/>
+              </a:ext>
+            </a:extLst>
+          </p:cNvPr>
+          <p:cNvPicPr>
+            <a:picLocks noChangeAspect="1"/>
+          </p:cNvPicPr>
+          <p:nvPr/>
+        </p:nvPicPr>
+        <p:blipFill>
+          <a:blip r:embed="rId3"/>
+          <a:stretch>
+            <a:fillRect/>
+          </a:stretch>
+        </p:blipFill>
+        <p:spPr>
+          <a:xfrm>
+            <a:off x="779593" y="2168859"/>
+            <a:ext cx="9804086" cy="1477328"/>
+          </a:xfrm>
+          <a:prstGeom prst="rect">
+            <a:avLst/>
+          </a:prstGeom>
+        </p:spPr>
+      </p:pic>
+      <p:sp>
+        <p:nvSpPr>
+          <p:cNvPr id="8" name="Rectangle 7">
+            <a:extLst>
+              <a:ext uri="{FF2B5EF4-FFF2-40B4-BE49-F238E27FC236}">
+                <a16:creationId xmlns:a16="http://schemas.microsoft.com/office/drawing/2014/main" id="{136FD780-5461-C94D-B717-A1B86F255AC5}"/>
+              </a:ext>
+            </a:extLst>
+          </p:cNvPr>
+          <p:cNvSpPr/>
+          <p:nvPr/>
+        </p:nvSpPr>
+        <p:spPr>
+          <a:xfrm>
+            <a:off x="779593" y="4618010"/>
+            <a:ext cx="6096000" cy="1477328"/>
+          </a:xfrm>
+          <a:prstGeom prst="rect">
+            <a:avLst/>
+          </a:prstGeom>
+        </p:spPr>
+        <p:txBody>
+          <a:bodyPr>
+            <a:spAutoFit/>
+          </a:bodyPr>
+          <a:lstStyle/>
+          <a:p>
+            <a:r>
+              <a:rPr lang="en-US" dirty="0" err="1">
+                <a:solidFill>
+                  <a:srgbClr val="000000"/>
+                </a:solidFill>
+                <a:latin typeface="Menlo" panose="020B0609030804020204" pitchFamily="49" charset="0"/>
+              </a:rPr>
+              <a:t>lrwxrwxrwx</a:t>
+            </a:r>
+            <a:r>
+              <a:rPr lang="en-US" dirty="0">
+                <a:solidFill>
+                  <a:srgbClr val="000000"/>
+                </a:solidFill>
+                <a:latin typeface="Menlo" panose="020B0609030804020204" pitchFamily="49" charset="0"/>
+              </a:rPr>
+              <a:t> 1 </a:t>
+            </a:r>
+            <a:r>
+              <a:rPr lang="en-US" dirty="0" err="1">
+                <a:solidFill>
+                  <a:srgbClr val="000000"/>
+                </a:solidFill>
+                <a:latin typeface="Menlo" panose="020B0609030804020204" pitchFamily="49" charset="0"/>
+              </a:rPr>
+              <a:t>xili</a:t>
+            </a:r>
+            <a:r>
+              <a:rPr lang="en-US" dirty="0">
+                <a:solidFill>
+                  <a:srgbClr val="000000"/>
+                </a:solidFill>
+                <a:latin typeface="Menlo" panose="020B0609030804020204" pitchFamily="49" charset="0"/>
+              </a:rPr>
+              <a:t> domain users  7 Jul 15 21:34 </a:t>
+            </a:r>
+            <a:r>
+              <a:rPr lang="en-US" dirty="0">
+                <a:solidFill>
+                  <a:srgbClr val="29FFFF"/>
+                </a:solidFill>
+                <a:latin typeface="Menlo" panose="020B0609030804020204" pitchFamily="49" charset="0"/>
+              </a:rPr>
+              <a:t>python</a:t>
+            </a:r>
+            <a:r>
+              <a:rPr lang="en-US" dirty="0">
+                <a:solidFill>
+                  <a:srgbClr val="000000"/>
+                </a:solidFill>
+                <a:latin typeface="Menlo" panose="020B0609030804020204" pitchFamily="49" charset="0"/>
+              </a:rPr>
+              <a:t> -&gt; </a:t>
+            </a:r>
+            <a:r>
+              <a:rPr lang="en-US" dirty="0">
+                <a:solidFill>
+                  <a:srgbClr val="2FBD1D"/>
+                </a:solidFill>
+                <a:latin typeface="Menlo" panose="020B0609030804020204" pitchFamily="49" charset="0"/>
+              </a:rPr>
+              <a:t>python3</a:t>
+            </a:r>
+            <a:endParaRPr lang="en-US" dirty="0">
+              <a:solidFill>
+                <a:srgbClr val="000000"/>
+              </a:solidFill>
+              <a:latin typeface="Menlo" panose="020B0609030804020204" pitchFamily="49" charset="0"/>
+            </a:endParaRPr>
+          </a:p>
+          <a:p>
+            <a:r>
+              <a:rPr lang="en-US" dirty="0" err="1">
+                <a:solidFill>
+                  <a:srgbClr val="000000"/>
+                </a:solidFill>
+                <a:latin typeface="Menlo" panose="020B0609030804020204" pitchFamily="49" charset="0"/>
+              </a:rPr>
+              <a:t>lrwxrwxrwx</a:t>
+            </a:r>
+            <a:r>
+              <a:rPr lang="en-US" dirty="0">
+                <a:solidFill>
+                  <a:srgbClr val="000000"/>
+                </a:solidFill>
+                <a:latin typeface="Menlo" panose="020B0609030804020204" pitchFamily="49" charset="0"/>
+              </a:rPr>
+              <a:t> 1 </a:t>
+            </a:r>
+            <a:r>
+              <a:rPr lang="en-US" dirty="0" err="1">
+                <a:solidFill>
+                  <a:srgbClr val="000000"/>
+                </a:solidFill>
+                <a:latin typeface="Menlo" panose="020B0609030804020204" pitchFamily="49" charset="0"/>
+              </a:rPr>
+              <a:t>xili</a:t>
+            </a:r>
+            <a:r>
+              <a:rPr lang="en-US" dirty="0">
+                <a:solidFill>
+                  <a:srgbClr val="000000"/>
+                </a:solidFill>
+                <a:latin typeface="Menlo" panose="020B0609030804020204" pitchFamily="49" charset="0"/>
+              </a:rPr>
+              <a:t> domain users 28 Jul 15 21:34 </a:t>
+            </a:r>
+            <a:r>
+              <a:rPr lang="en-US" dirty="0">
+                <a:solidFill>
+                  <a:srgbClr val="29FFFF"/>
+                </a:solidFill>
+                <a:latin typeface="Menlo" panose="020B0609030804020204" pitchFamily="49" charset="0"/>
+              </a:rPr>
+              <a:t>python3</a:t>
+            </a:r>
+            <a:r>
+              <a:rPr lang="en-US" dirty="0">
+                <a:solidFill>
+                  <a:srgbClr val="000000"/>
+                </a:solidFill>
+                <a:latin typeface="Menlo" panose="020B0609030804020204" pitchFamily="49" charset="0"/>
+              </a:rPr>
+              <a:t> -&gt; </a:t>
+            </a:r>
+            <a:r>
+              <a:rPr lang="en-US" dirty="0">
+                <a:solidFill>
+                  <a:srgbClr val="2FBD1D"/>
+                </a:solidFill>
+                <a:latin typeface="Menlo" panose="020B0609030804020204" pitchFamily="49" charset="0"/>
+              </a:rPr>
+              <a:t>/home/</a:t>
+            </a:r>
+            <a:r>
+              <a:rPr lang="en-US" dirty="0" err="1">
+                <a:solidFill>
+                  <a:srgbClr val="2FBD1D"/>
+                </a:solidFill>
+                <a:latin typeface="Menlo" panose="020B0609030804020204" pitchFamily="49" charset="0"/>
+              </a:rPr>
+              <a:t>xili</a:t>
+            </a:r>
+            <a:r>
+              <a:rPr lang="en-US" dirty="0">
+                <a:solidFill>
+                  <a:srgbClr val="2FBD1D"/>
+                </a:solidFill>
+                <a:latin typeface="Menlo" panose="020B0609030804020204" pitchFamily="49" charset="0"/>
+              </a:rPr>
+              <a:t>/enter/bin/python3</a:t>
+            </a:r>
+            <a:endParaRPr lang="en-US" dirty="0">
+              <a:solidFill>
+                <a:srgbClr val="000000"/>
+              </a:solidFill>
+              <a:effectLst/>
+              <a:latin typeface="Menlo" panose="020B0609030804020204" pitchFamily="49" charset="0"/>
+            </a:endParaRPr>
+          </a:p>
+        </p:txBody>
+      </p:sp>
+      <p:pic>
+        <p:nvPicPr>
+          <p:cNvPr id="9" name="Picture 8">
+            <a:extLst>
+              <a:ext uri="{FF2B5EF4-FFF2-40B4-BE49-F238E27FC236}">
+                <a16:creationId xmlns:a16="http://schemas.microsoft.com/office/drawing/2014/main" id="{453FFA9E-53F6-9F45-8755-529ECAB829B2}"/>
+              </a:ext>
+            </a:extLst>
+          </p:cNvPr>
+          <p:cNvPicPr>
+            <a:picLocks noChangeAspect="1"/>
+          </p:cNvPicPr>
+          <p:nvPr/>
+        </p:nvPicPr>
+        <p:blipFill>
+          <a:blip r:embed="rId4"/>
+          <a:stretch>
+            <a:fillRect/>
+          </a:stretch>
+        </p:blipFill>
+        <p:spPr>
+          <a:xfrm>
+            <a:off x="6488243" y="4905824"/>
+            <a:ext cx="5207000" cy="901700"/>
+          </a:xfrm>
+          <a:prstGeom prst="rect">
+            <a:avLst/>
+          </a:prstGeom>
+        </p:spPr>
+      </p:pic>
+    </p:spTree>
+    <p:extLst>
+      <p:ext uri="{BB962C8B-B14F-4D97-AF65-F5344CB8AC3E}">
+        <p14:creationId xmlns:p14="http://schemas.microsoft.com/office/powerpoint/2010/main" val="4021964166"/>
+      </p:ext>
+    </p:extLst>
+  </p:cSld>
+  <p:clrMapOvr>
+    <a:masterClrMapping/>
+  </p:clrMapOvr>
+</p:sld>
+</file>
+
+<file path=ppt/slides/slide16.xml><?xml version="1.0" encoding="utf-8"?>
+<p:sld xmlns:a="http://schemas.openxmlformats.org/drawingml/2006/main" xmlns:r="http://schemas.openxmlformats.org/officeDocument/2006/relationships" xmlns:p="http://schemas.openxmlformats.org/presentationml/2006/main">
+  <p:cSld>
+    <p:spTree>
+      <p:nvGrpSpPr>
+        <p:cNvPr id="1" name=""/>
+        <p:cNvGrpSpPr/>
+        <p:nvPr/>
+      </p:nvGrpSpPr>
+      <p:grpSpPr>
+        <a:xfrm>
+          <a:off x="0" y="0"/>
+          <a:ext cx="0" cy="0"/>
+          <a:chOff x="0" y="0"/>
+          <a:chExt cx="0" cy="0"/>
+        </a:xfrm>
+      </p:grpSpPr>
+      <p:sp>
+        <p:nvSpPr>
+          <p:cNvPr id="2" name="Title 1">
+            <a:extLst>
+              <a:ext uri="{FF2B5EF4-FFF2-40B4-BE49-F238E27FC236}">
+                <a16:creationId xmlns:a16="http://schemas.microsoft.com/office/drawing/2014/main" id="{7A804041-818B-F44C-A9CA-326DD4E6FA0F}"/>
+              </a:ext>
+            </a:extLst>
+          </p:cNvPr>
+          <p:cNvSpPr>
+            <a:spLocks noGrp="1"/>
+          </p:cNvSpPr>
+          <p:nvPr>
+            <p:ph type="title"/>
+          </p:nvPr>
+        </p:nvSpPr>
+        <p:spPr/>
+        <p:txBody>
+          <a:bodyPr/>
+          <a:lstStyle/>
+          <a:p>
+            <a:r>
+              <a:rPr lang="en-US" dirty="0">
+                <a:solidFill>
+                  <a:srgbClr val="00B050"/>
+                </a:solidFill>
+              </a:rPr>
+              <a:t>Tricky Thing for Python3</a:t>
+            </a:r>
+          </a:p>
+        </p:txBody>
+      </p:sp>
+      <p:sp>
+        <p:nvSpPr>
+          <p:cNvPr id="3" name="Content Placeholder 2">
+            <a:extLst>
+              <a:ext uri="{FF2B5EF4-FFF2-40B4-BE49-F238E27FC236}">
+                <a16:creationId xmlns:a16="http://schemas.microsoft.com/office/drawing/2014/main" id="{F4373374-14A1-5342-A0AD-81B70CAE304D}"/>
+              </a:ext>
+            </a:extLst>
+          </p:cNvPr>
+          <p:cNvSpPr>
+            <a:spLocks noGrp="1"/>
+          </p:cNvSpPr>
+          <p:nvPr>
+            <p:ph idx="1"/>
+          </p:nvPr>
+        </p:nvSpPr>
+        <p:spPr>
+          <a:xfrm>
+            <a:off x="466503" y="1298411"/>
+            <a:ext cx="10515600" cy="4351338"/>
+          </a:xfrm>
+        </p:spPr>
+        <p:txBody>
+          <a:bodyPr>
+            <a:normAutofit/>
+          </a:bodyPr>
+          <a:lstStyle/>
+          <a:p>
+            <a:r>
+              <a:rPr lang="en-US" dirty="0"/>
+              <a:t>/</a:t>
+            </a:r>
+            <a:r>
+              <a:rPr lang="en-US" dirty="0" err="1"/>
+              <a:t>ghdevhome</a:t>
+            </a:r>
+            <a:r>
+              <a:rPr lang="en-US" dirty="0"/>
+              <a:t>/home/</a:t>
+            </a:r>
+            <a:r>
+              <a:rPr lang="en-US" dirty="0" err="1"/>
+              <a:t>xili</a:t>
+            </a:r>
+            <a:r>
+              <a:rPr lang="en-US" dirty="0"/>
+              <a:t>/</a:t>
+            </a:r>
+            <a:r>
+              <a:rPr lang="en-US" dirty="0" err="1"/>
+              <a:t>create_module</a:t>
+            </a:r>
+            <a:r>
+              <a:rPr lang="en-US" dirty="0"/>
+              <a:t>/test/</a:t>
+            </a:r>
+            <a:r>
+              <a:rPr lang="en-US" dirty="0" err="1"/>
+              <a:t>bip-nonhumanqc</a:t>
+            </a:r>
+            <a:r>
+              <a:rPr lang="en-US" dirty="0"/>
+              <a:t>/build</a:t>
+            </a:r>
+          </a:p>
+          <a:p>
+            <a:r>
+              <a:rPr lang="en-US" dirty="0"/>
+              <a:t>Add “module load python/3.6.8” to .</a:t>
+            </a:r>
+            <a:r>
+              <a:rPr lang="en-US" dirty="0" err="1"/>
+              <a:t>bashrc</a:t>
+            </a:r>
+            <a:endParaRPr lang="en-US" dirty="0"/>
+          </a:p>
+          <a:p>
+            <a:r>
+              <a:rPr lang="en-US" dirty="0"/>
+              <a:t>Pandas = 1.1.5 will lead an error of python module : _bz2</a:t>
+            </a:r>
+          </a:p>
+          <a:p>
+            <a:r>
+              <a:rPr lang="en-US" dirty="0"/>
+              <a:t>Try with pandas ==0.25.0. </a:t>
+            </a:r>
+            <a:r>
+              <a:rPr lang="en-US" dirty="0">
+                <a:solidFill>
+                  <a:srgbClr val="00B050"/>
+                </a:solidFill>
+              </a:rPr>
+              <a:t>worked</a:t>
+            </a:r>
+          </a:p>
+        </p:txBody>
+      </p:sp>
+      <p:pic>
+        <p:nvPicPr>
+          <p:cNvPr id="4" name="Picture 3">
+            <a:extLst>
+              <a:ext uri="{FF2B5EF4-FFF2-40B4-BE49-F238E27FC236}">
+                <a16:creationId xmlns:a16="http://schemas.microsoft.com/office/drawing/2014/main" id="{0C84D158-CBD3-A840-8ADD-2C909D285503}"/>
+              </a:ext>
+            </a:extLst>
+          </p:cNvPr>
+          <p:cNvPicPr>
+            <a:picLocks noChangeAspect="1"/>
+          </p:cNvPicPr>
+          <p:nvPr/>
+        </p:nvPicPr>
+        <p:blipFill>
+          <a:blip r:embed="rId2"/>
+          <a:stretch>
+            <a:fillRect/>
+          </a:stretch>
+        </p:blipFill>
+        <p:spPr>
+          <a:xfrm>
+            <a:off x="1028700" y="3467894"/>
+            <a:ext cx="4965700" cy="1066800"/>
+          </a:xfrm>
+          <a:prstGeom prst="rect">
+            <a:avLst/>
+          </a:prstGeom>
+        </p:spPr>
+      </p:pic>
+      <p:pic>
+        <p:nvPicPr>
+          <p:cNvPr id="5" name="Picture 4">
+            <a:extLst>
+              <a:ext uri="{FF2B5EF4-FFF2-40B4-BE49-F238E27FC236}">
+                <a16:creationId xmlns:a16="http://schemas.microsoft.com/office/drawing/2014/main" id="{E75EBBEC-2C80-A44F-BBCB-6341DFC56F15}"/>
+              </a:ext>
+            </a:extLst>
+          </p:cNvPr>
+          <p:cNvPicPr>
+            <a:picLocks noChangeAspect="1"/>
+          </p:cNvPicPr>
+          <p:nvPr/>
+        </p:nvPicPr>
+        <p:blipFill>
+          <a:blip r:embed="rId3"/>
+          <a:stretch>
+            <a:fillRect/>
+          </a:stretch>
+        </p:blipFill>
+        <p:spPr>
+          <a:xfrm>
+            <a:off x="1006696" y="5094124"/>
+            <a:ext cx="9975407" cy="1111250"/>
+          </a:xfrm>
+          <a:prstGeom prst="rect">
+            <a:avLst/>
+          </a:prstGeom>
+        </p:spPr>
+      </p:pic>
+      <p:sp>
+        <p:nvSpPr>
+          <p:cNvPr id="6" name="Rectangle 5">
+            <a:extLst>
+              <a:ext uri="{FF2B5EF4-FFF2-40B4-BE49-F238E27FC236}">
+                <a16:creationId xmlns:a16="http://schemas.microsoft.com/office/drawing/2014/main" id="{2E7C7F40-94FB-504A-96DD-B2C87DBF78F4}"/>
+              </a:ext>
+            </a:extLst>
+          </p:cNvPr>
+          <p:cNvSpPr/>
+          <p:nvPr/>
+        </p:nvSpPr>
+        <p:spPr>
+          <a:xfrm>
+            <a:off x="1006696" y="6205374"/>
+            <a:ext cx="10347104" cy="369332"/>
+          </a:xfrm>
+          <a:prstGeom prst="rect">
+            <a:avLst/>
+          </a:prstGeom>
+        </p:spPr>
+        <p:txBody>
+          <a:bodyPr wrap="square">
+            <a:spAutoFit/>
+          </a:bodyPr>
+          <a:lstStyle/>
+          <a:p>
+            <a:r>
               <a:rPr lang="en-US" dirty="0"/>
               <a:t>https://</a:t>
             </a:r>
             <a:r>
               <a:rPr lang="en-US" dirty="0" err="1"/>
-              <a:t>guardanthealth.atlassian.net</a:t>
+              <a:t>stackoverflow.com</a:t>
             </a:r>
             <a:r>
               <a:rPr lang="en-US" dirty="0"/>
-              <a:t>/wiki/spaces/~698448339/pages/2215479869/BIP4+tutorial+and+tips</a:t>
+              <a:t>/questions/12806122/missing-python-bz2-module</a:t>
             </a:r>
           </a:p>
         </p:txBody>
@@ -6428,7 +7652,429 @@
     </p:spTree>
     <p:extLst>
       <p:ext uri="{BB962C8B-B14F-4D97-AF65-F5344CB8AC3E}">
-        <p14:creationId xmlns:p14="http://schemas.microsoft.com/office/powerpoint/2010/main" val="3755857907"/>
+        <p14:creationId xmlns:p14="http://schemas.microsoft.com/office/powerpoint/2010/main" val="91723850"/>
+      </p:ext>
+    </p:extLst>
+  </p:cSld>
+  <p:clrMapOvr>
+    <a:masterClrMapping/>
+  </p:clrMapOvr>
+</p:sld>
+</file>
+
+<file path=ppt/slides/slide17.xml><?xml version="1.0" encoding="utf-8"?>
+<p:sld xmlns:a="http://schemas.openxmlformats.org/drawingml/2006/main" xmlns:r="http://schemas.openxmlformats.org/officeDocument/2006/relationships" xmlns:p="http://schemas.openxmlformats.org/presentationml/2006/main">
+  <p:cSld>
+    <p:spTree>
+      <p:nvGrpSpPr>
+        <p:cNvPr id="1" name=""/>
+        <p:cNvGrpSpPr/>
+        <p:nvPr/>
+      </p:nvGrpSpPr>
+      <p:grpSpPr>
+        <a:xfrm>
+          <a:off x="0" y="0"/>
+          <a:ext cx="0" cy="0"/>
+          <a:chOff x="0" y="0"/>
+          <a:chExt cx="0" cy="0"/>
+        </a:xfrm>
+      </p:grpSpPr>
+      <p:sp>
+        <p:nvSpPr>
+          <p:cNvPr id="2" name="Title 1">
+            <a:extLst>
+              <a:ext uri="{FF2B5EF4-FFF2-40B4-BE49-F238E27FC236}">
+                <a16:creationId xmlns:a16="http://schemas.microsoft.com/office/drawing/2014/main" id="{1D66E11D-33FA-D347-90CC-D345C1799F18}"/>
+              </a:ext>
+            </a:extLst>
+          </p:cNvPr>
+          <p:cNvSpPr>
+            <a:spLocks noGrp="1"/>
+          </p:cNvSpPr>
+          <p:nvPr>
+            <p:ph type="title"/>
+          </p:nvPr>
+        </p:nvSpPr>
+        <p:spPr/>
+        <p:txBody>
+          <a:bodyPr/>
+          <a:lstStyle/>
+          <a:p>
+            <a:r>
+              <a:rPr lang="en-US" dirty="0"/>
+              <a:t>VCF</a:t>
+            </a:r>
+          </a:p>
+        </p:txBody>
+      </p:sp>
+      <p:sp>
+        <p:nvSpPr>
+          <p:cNvPr id="4" name="Content Placeholder 3">
+            <a:extLst>
+              <a:ext uri="{FF2B5EF4-FFF2-40B4-BE49-F238E27FC236}">
+                <a16:creationId xmlns:a16="http://schemas.microsoft.com/office/drawing/2014/main" id="{070567C4-071C-2C4F-B85E-3DBBDF34D5F2}"/>
+              </a:ext>
+            </a:extLst>
+          </p:cNvPr>
+          <p:cNvSpPr>
+            <a:spLocks noGrp="1"/>
+          </p:cNvSpPr>
+          <p:nvPr>
+            <p:ph idx="1"/>
+          </p:nvPr>
+        </p:nvSpPr>
+        <p:spPr>
+          <a:xfrm>
+            <a:off x="838200" y="1949642"/>
+            <a:ext cx="10515600" cy="4351338"/>
+          </a:xfrm>
+        </p:spPr>
+        <p:txBody>
+          <a:bodyPr/>
+          <a:lstStyle/>
+          <a:p>
+            <a:r>
+              <a:rPr lang="en-US" dirty="0"/>
+              <a:t>/</a:t>
+            </a:r>
+            <a:r>
+              <a:rPr lang="en-US" dirty="0" err="1"/>
+              <a:t>ghess</a:t>
+            </a:r>
+            <a:r>
+              <a:rPr lang="en-US" dirty="0"/>
+              <a:t>/groups/algorithms/scratch/</a:t>
+            </a:r>
+            <a:r>
+              <a:rPr lang="en-US" dirty="0" err="1"/>
+              <a:t>rvijaya-satya</a:t>
+            </a:r>
+            <a:r>
+              <a:rPr lang="en-US" dirty="0"/>
+              <a:t>/code/</a:t>
+            </a:r>
+            <a:r>
+              <a:rPr lang="en-US" dirty="0" err="1"/>
+              <a:t>ivd_analysis</a:t>
+            </a:r>
+            <a:r>
+              <a:rPr lang="en-US" dirty="0"/>
+              <a:t>/OMNI/</a:t>
+            </a:r>
+            <a:r>
+              <a:rPr lang="en-US" dirty="0" err="1"/>
+              <a:t>IncaRose</a:t>
+            </a:r>
+            <a:r>
+              <a:rPr lang="en-US" dirty="0"/>
+              <a:t>/AV/210210_Broad_Pilot_Analysis/</a:t>
+            </a:r>
+            <a:r>
+              <a:rPr lang="en-US" dirty="0" err="1"/>
+              <a:t>load_broad_vcfs.py</a:t>
+            </a:r>
+            <a:endParaRPr lang="en-US" dirty="0"/>
+          </a:p>
+          <a:p>
+            <a:endParaRPr lang="en-US" dirty="0"/>
+          </a:p>
+          <a:p>
+            <a:r>
+              <a:rPr lang="en-US" dirty="0">
+                <a:hlinkClick r:id="rId2"/>
+              </a:rPr>
+              <a:t>https://pyvcf.readthedocs.io/en/latest/</a:t>
+            </a:r>
+            <a:endParaRPr lang="en-US" dirty="0"/>
+          </a:p>
+        </p:txBody>
+      </p:sp>
+    </p:spTree>
+    <p:extLst>
+      <p:ext uri="{BB962C8B-B14F-4D97-AF65-F5344CB8AC3E}">
+        <p14:creationId xmlns:p14="http://schemas.microsoft.com/office/powerpoint/2010/main" val="3104093592"/>
+      </p:ext>
+    </p:extLst>
+  </p:cSld>
+  <p:clrMapOvr>
+    <a:masterClrMapping/>
+  </p:clrMapOvr>
+</p:sld>
+</file>
+
+<file path=ppt/slides/slide18.xml><?xml version="1.0" encoding="utf-8"?>
+<p:sld xmlns:a="http://schemas.openxmlformats.org/drawingml/2006/main" xmlns:r="http://schemas.openxmlformats.org/officeDocument/2006/relationships" xmlns:p="http://schemas.openxmlformats.org/presentationml/2006/main">
+  <p:cSld>
+    <p:spTree>
+      <p:nvGrpSpPr>
+        <p:cNvPr id="1" name=""/>
+        <p:cNvGrpSpPr/>
+        <p:nvPr/>
+      </p:nvGrpSpPr>
+      <p:grpSpPr>
+        <a:xfrm>
+          <a:off x="0" y="0"/>
+          <a:ext cx="0" cy="0"/>
+          <a:chOff x="0" y="0"/>
+          <a:chExt cx="0" cy="0"/>
+        </a:xfrm>
+      </p:grpSpPr>
+      <p:sp>
+        <p:nvSpPr>
+          <p:cNvPr id="2" name="Title 1">
+            <a:extLst>
+              <a:ext uri="{FF2B5EF4-FFF2-40B4-BE49-F238E27FC236}">
+                <a16:creationId xmlns:a16="http://schemas.microsoft.com/office/drawing/2014/main" id="{F36D176F-EA06-E141-AB15-6859B06BCB3E}"/>
+              </a:ext>
+            </a:extLst>
+          </p:cNvPr>
+          <p:cNvSpPr>
+            <a:spLocks noGrp="1"/>
+          </p:cNvSpPr>
+          <p:nvPr>
+            <p:ph type="title"/>
+          </p:nvPr>
+        </p:nvSpPr>
+        <p:spPr/>
+        <p:txBody>
+          <a:bodyPr/>
+          <a:lstStyle/>
+          <a:p>
+            <a:r>
+              <a:rPr lang="en-US" dirty="0"/>
+              <a:t>Run module</a:t>
+            </a:r>
+          </a:p>
+        </p:txBody>
+      </p:sp>
+      <p:sp>
+        <p:nvSpPr>
+          <p:cNvPr id="3" name="Content Placeholder 2">
+            <a:extLst>
+              <a:ext uri="{FF2B5EF4-FFF2-40B4-BE49-F238E27FC236}">
+                <a16:creationId xmlns:a16="http://schemas.microsoft.com/office/drawing/2014/main" id="{D92AAD14-AAFB-EA47-A501-42408D9FC6EE}"/>
+              </a:ext>
+            </a:extLst>
+          </p:cNvPr>
+          <p:cNvSpPr>
+            <a:spLocks noGrp="1"/>
+          </p:cNvSpPr>
+          <p:nvPr>
+            <p:ph idx="1"/>
+          </p:nvPr>
+        </p:nvSpPr>
+        <p:spPr/>
+        <p:txBody>
+          <a:bodyPr/>
+          <a:lstStyle/>
+          <a:p>
+            <a:r>
+              <a:rPr lang="en-US" dirty="0"/>
+              <a:t>./</a:t>
+            </a:r>
+            <a:r>
+              <a:rPr lang="en-US" dirty="0" err="1"/>
+              <a:t>bip-nonhumanqc</a:t>
+            </a:r>
+            <a:r>
+              <a:rPr lang="en-US" dirty="0"/>
+              <a:t>/</a:t>
+            </a:r>
+            <a:r>
+              <a:rPr lang="en-US" dirty="0" err="1"/>
+              <a:t>module_entry</a:t>
+            </a:r>
+            <a:r>
+              <a:rPr lang="en-US" dirty="0"/>
+              <a:t> </a:t>
+            </a:r>
+            <a:r>
+              <a:rPr lang="en-US" dirty="0" err="1"/>
+              <a:t>ext_mut</a:t>
+            </a:r>
+            <a:r>
+              <a:rPr lang="en-US" dirty="0"/>
+              <a:t> --in-</a:t>
+            </a:r>
+            <a:r>
+              <a:rPr lang="en-US" dirty="0" err="1"/>
+              <a:t>fc_path</a:t>
+            </a:r>
+            <a:r>
+              <a:rPr lang="en-US" dirty="0"/>
+              <a:t> /</a:t>
+            </a:r>
+            <a:r>
+              <a:rPr lang="en-US" dirty="0" err="1"/>
+              <a:t>ghdevhome</a:t>
+            </a:r>
+            <a:r>
+              <a:rPr lang="en-US" dirty="0"/>
+              <a:t>/home/</a:t>
+            </a:r>
+            <a:r>
+              <a:rPr lang="en-US" dirty="0" err="1"/>
+              <a:t>xili</a:t>
+            </a:r>
+            <a:r>
+              <a:rPr lang="en-US" dirty="0"/>
+              <a:t>/</a:t>
+            </a:r>
+            <a:r>
+              <a:rPr lang="en-US" dirty="0" err="1"/>
+              <a:t>create_module</a:t>
+            </a:r>
+            <a:r>
+              <a:rPr lang="en-US" dirty="0"/>
+              <a:t>/</a:t>
+            </a:r>
+            <a:r>
+              <a:rPr lang="en-US" dirty="0" err="1"/>
+              <a:t>test_data</a:t>
+            </a:r>
+            <a:r>
+              <a:rPr lang="en-US" dirty="0"/>
+              <a:t> --output-</a:t>
+            </a:r>
+            <a:r>
+              <a:rPr lang="en-US" dirty="0" err="1"/>
+              <a:t>dir</a:t>
+            </a:r>
+            <a:r>
+              <a:rPr lang="en-US" dirty="0"/>
+              <a:t> /</a:t>
+            </a:r>
+            <a:r>
+              <a:rPr lang="en-US" dirty="0" err="1"/>
+              <a:t>ghdevhome</a:t>
+            </a:r>
+            <a:r>
+              <a:rPr lang="en-US" dirty="0"/>
+              <a:t>/home/</a:t>
+            </a:r>
+            <a:r>
+              <a:rPr lang="en-US" dirty="0" err="1"/>
+              <a:t>xili</a:t>
+            </a:r>
+            <a:r>
+              <a:rPr lang="en-US" dirty="0"/>
+              <a:t>/</a:t>
+            </a:r>
+            <a:r>
+              <a:rPr lang="en-US" dirty="0" err="1"/>
+              <a:t>create_module</a:t>
+            </a:r>
+            <a:r>
+              <a:rPr lang="en-US" dirty="0"/>
+              <a:t>/</a:t>
+            </a:r>
+            <a:r>
+              <a:rPr lang="en-US" dirty="0" err="1"/>
+              <a:t>Output_Test</a:t>
+            </a:r>
+            <a:r>
+              <a:rPr lang="en-US" dirty="0"/>
+              <a:t> --sample-id A033144201 --parameter-set 1</a:t>
+            </a:r>
+          </a:p>
+          <a:p>
+            <a:endParaRPr lang="en-US" dirty="0"/>
+          </a:p>
+        </p:txBody>
+      </p:sp>
+    </p:spTree>
+    <p:extLst>
+      <p:ext uri="{BB962C8B-B14F-4D97-AF65-F5344CB8AC3E}">
+        <p14:creationId xmlns:p14="http://schemas.microsoft.com/office/powerpoint/2010/main" val="4244933273"/>
+      </p:ext>
+    </p:extLst>
+  </p:cSld>
+  <p:clrMapOvr>
+    <a:masterClrMapping/>
+  </p:clrMapOvr>
+</p:sld>
+</file>
+
+<file path=ppt/slides/slide19.xml><?xml version="1.0" encoding="utf-8"?>
+<p:sld xmlns:a="http://schemas.openxmlformats.org/drawingml/2006/main" xmlns:r="http://schemas.openxmlformats.org/officeDocument/2006/relationships" xmlns:p="http://schemas.openxmlformats.org/presentationml/2006/main">
+  <p:cSld>
+    <p:spTree>
+      <p:nvGrpSpPr>
+        <p:cNvPr id="1" name=""/>
+        <p:cNvGrpSpPr/>
+        <p:nvPr/>
+      </p:nvGrpSpPr>
+      <p:grpSpPr>
+        <a:xfrm>
+          <a:off x="0" y="0"/>
+          <a:ext cx="0" cy="0"/>
+          <a:chOff x="0" y="0"/>
+          <a:chExt cx="0" cy="0"/>
+        </a:xfrm>
+      </p:grpSpPr>
+      <p:sp>
+        <p:nvSpPr>
+          <p:cNvPr id="2" name="Title 1">
+            <a:extLst>
+              <a:ext uri="{FF2B5EF4-FFF2-40B4-BE49-F238E27FC236}">
+                <a16:creationId xmlns:a16="http://schemas.microsoft.com/office/drawing/2014/main" id="{7603D193-B49A-FC49-8BCA-D070AFC6E38D}"/>
+              </a:ext>
+            </a:extLst>
+          </p:cNvPr>
+          <p:cNvSpPr>
+            <a:spLocks noGrp="1"/>
+          </p:cNvSpPr>
+          <p:nvPr>
+            <p:ph type="title"/>
+          </p:nvPr>
+        </p:nvSpPr>
+        <p:spPr/>
+        <p:txBody>
+          <a:bodyPr/>
+          <a:lstStyle/>
+          <a:p>
+            <a:r>
+              <a:rPr lang="en-US" dirty="0"/>
+              <a:t>tutorial for bip4.0. </a:t>
+            </a:r>
+          </a:p>
+        </p:txBody>
+      </p:sp>
+      <p:sp>
+        <p:nvSpPr>
+          <p:cNvPr id="3" name="Content Placeholder 2">
+            <a:extLst>
+              <a:ext uri="{FF2B5EF4-FFF2-40B4-BE49-F238E27FC236}">
+                <a16:creationId xmlns:a16="http://schemas.microsoft.com/office/drawing/2014/main" id="{D1EB543D-9D2A-A84C-8503-5277FC8D1FFD}"/>
+              </a:ext>
+            </a:extLst>
+          </p:cNvPr>
+          <p:cNvSpPr>
+            <a:spLocks noGrp="1"/>
+          </p:cNvSpPr>
+          <p:nvPr>
+            <p:ph idx="1"/>
+          </p:nvPr>
+        </p:nvSpPr>
+        <p:spPr/>
+        <p:txBody>
+          <a:bodyPr/>
+          <a:lstStyle/>
+          <a:p>
+            <a:r>
+              <a:rPr lang="en-US" dirty="0">
+                <a:hlinkClick r:id="rId2"/>
+              </a:rPr>
+              <a:t>https://guardanthealth.atlassian.net/wiki/spaces/BIP40/pages/2501672967/By+steps+Build+BIP4.0+module</a:t>
+            </a:r>
+            <a:endParaRPr lang="en-US" dirty="0"/>
+          </a:p>
+        </p:txBody>
+      </p:sp>
+    </p:spTree>
+    <p:extLst>
+      <p:ext uri="{BB962C8B-B14F-4D97-AF65-F5344CB8AC3E}">
+        <p14:creationId xmlns:p14="http://schemas.microsoft.com/office/powerpoint/2010/main" val="2986442198"/>
       </p:ext>
     </p:extLst>
   </p:cSld>
@@ -6804,6 +8450,398 @@
     <p:extLst>
       <p:ext uri="{BB962C8B-B14F-4D97-AF65-F5344CB8AC3E}">
         <p14:creationId xmlns:p14="http://schemas.microsoft.com/office/powerpoint/2010/main" val="3793048668"/>
+      </p:ext>
+    </p:extLst>
+  </p:cSld>
+  <p:clrMapOvr>
+    <a:masterClrMapping/>
+  </p:clrMapOvr>
+</p:sld>
+</file>
+
+<file path=ppt/slides/slide20.xml><?xml version="1.0" encoding="utf-8"?>
+<p:sld xmlns:a="http://schemas.openxmlformats.org/drawingml/2006/main" xmlns:r="http://schemas.openxmlformats.org/officeDocument/2006/relationships" xmlns:p="http://schemas.openxmlformats.org/presentationml/2006/main">
+  <p:cSld>
+    <p:spTree>
+      <p:nvGrpSpPr>
+        <p:cNvPr id="1" name=""/>
+        <p:cNvGrpSpPr/>
+        <p:nvPr/>
+      </p:nvGrpSpPr>
+      <p:grpSpPr>
+        <a:xfrm>
+          <a:off x="0" y="0"/>
+          <a:ext cx="0" cy="0"/>
+          <a:chOff x="0" y="0"/>
+          <a:chExt cx="0" cy="0"/>
+        </a:xfrm>
+      </p:grpSpPr>
+      <p:sp>
+        <p:nvSpPr>
+          <p:cNvPr id="2" name="Title 1">
+            <a:extLst>
+              <a:ext uri="{FF2B5EF4-FFF2-40B4-BE49-F238E27FC236}">
+                <a16:creationId xmlns:a16="http://schemas.microsoft.com/office/drawing/2014/main" id="{E0E44F3D-4F43-6B43-8782-021D0A17BE13}"/>
+              </a:ext>
+            </a:extLst>
+          </p:cNvPr>
+          <p:cNvSpPr>
+            <a:spLocks noGrp="1"/>
+          </p:cNvSpPr>
+          <p:nvPr>
+            <p:ph type="title"/>
+          </p:nvPr>
+        </p:nvSpPr>
+        <p:spPr/>
+        <p:txBody>
+          <a:bodyPr/>
+          <a:lstStyle/>
+          <a:p>
+            <a:r>
+              <a:rPr lang="en-US" dirty="0"/>
+              <a:t>Results From Module</a:t>
+            </a:r>
+          </a:p>
+        </p:txBody>
+      </p:sp>
+      <p:pic>
+        <p:nvPicPr>
+          <p:cNvPr id="4" name="Content Placeholder 3">
+            <a:extLst>
+              <a:ext uri="{FF2B5EF4-FFF2-40B4-BE49-F238E27FC236}">
+                <a16:creationId xmlns:a16="http://schemas.microsoft.com/office/drawing/2014/main" id="{1647DCA2-6036-6D45-9C9E-3C7E649267F9}"/>
+              </a:ext>
+            </a:extLst>
+          </p:cNvPr>
+          <p:cNvPicPr>
+            <a:picLocks noGrp="1" noChangeAspect="1"/>
+          </p:cNvPicPr>
+          <p:nvPr>
+            <p:ph idx="1"/>
+          </p:nvPr>
+        </p:nvPicPr>
+        <p:blipFill>
+          <a:blip r:embed="rId2"/>
+          <a:stretch>
+            <a:fillRect/>
+          </a:stretch>
+        </p:blipFill>
+        <p:spPr>
+          <a:xfrm>
+            <a:off x="1877787" y="1896722"/>
+            <a:ext cx="7021285" cy="3809657"/>
+          </a:xfrm>
+          <a:prstGeom prst="rect">
+            <a:avLst/>
+          </a:prstGeom>
+        </p:spPr>
+      </p:pic>
+      <p:sp>
+        <p:nvSpPr>
+          <p:cNvPr id="5" name="Rectangle 4">
+            <a:extLst>
+              <a:ext uri="{FF2B5EF4-FFF2-40B4-BE49-F238E27FC236}">
+                <a16:creationId xmlns:a16="http://schemas.microsoft.com/office/drawing/2014/main" id="{C21F1162-9124-8540-8907-E6D1F515FA49}"/>
+              </a:ext>
+            </a:extLst>
+          </p:cNvPr>
+          <p:cNvSpPr/>
+          <p:nvPr/>
+        </p:nvSpPr>
+        <p:spPr>
+          <a:xfrm>
+            <a:off x="428786" y="5912413"/>
+            <a:ext cx="10125559" cy="369332"/>
+          </a:xfrm>
+          <a:prstGeom prst="rect">
+            <a:avLst/>
+          </a:prstGeom>
+        </p:spPr>
+        <p:txBody>
+          <a:bodyPr wrap="square">
+            <a:spAutoFit/>
+          </a:bodyPr>
+          <a:lstStyle/>
+          <a:p>
+            <a:r>
+              <a:rPr lang="en-US" dirty="0" err="1">
+                <a:solidFill>
+                  <a:srgbClr val="1D1C1D"/>
+                </a:solidFill>
+                <a:latin typeface="Slack-Lato"/>
+              </a:rPr>
+              <a:t>PATH_bip-nonhumanqc</a:t>
+            </a:r>
+            <a:r>
+              <a:rPr lang="en-US" dirty="0">
+                <a:solidFill>
+                  <a:srgbClr val="1D1C1D"/>
+                </a:solidFill>
+                <a:latin typeface="Slack-Lato"/>
+              </a:rPr>
+              <a:t>= “/</a:t>
+            </a:r>
+            <a:r>
+              <a:rPr lang="en-US" dirty="0" err="1">
+                <a:solidFill>
+                  <a:srgbClr val="1D1C1D"/>
+                </a:solidFill>
+                <a:latin typeface="Slack-Lato"/>
+              </a:rPr>
+              <a:t>ghdevhome</a:t>
+            </a:r>
+            <a:r>
+              <a:rPr lang="en-US" dirty="0">
+                <a:solidFill>
+                  <a:srgbClr val="1D1C1D"/>
+                </a:solidFill>
+                <a:latin typeface="Slack-Lato"/>
+              </a:rPr>
+              <a:t>/home/</a:t>
+            </a:r>
+            <a:r>
+              <a:rPr lang="en-US" dirty="0" err="1">
+                <a:solidFill>
+                  <a:srgbClr val="1D1C1D"/>
+                </a:solidFill>
+                <a:latin typeface="Slack-Lato"/>
+              </a:rPr>
+              <a:t>xili</a:t>
+            </a:r>
+            <a:r>
+              <a:rPr lang="en-US" dirty="0">
+                <a:solidFill>
+                  <a:srgbClr val="1D1C1D"/>
+                </a:solidFill>
+                <a:latin typeface="Slack-Lato"/>
+              </a:rPr>
+              <a:t>/</a:t>
+            </a:r>
+            <a:r>
+              <a:rPr lang="en-US" dirty="0" err="1">
+                <a:solidFill>
+                  <a:srgbClr val="1D1C1D"/>
+                </a:solidFill>
+                <a:latin typeface="Slack-Lato"/>
+              </a:rPr>
+              <a:t>create_module</a:t>
+            </a:r>
+            <a:r>
+              <a:rPr lang="en-US" dirty="0">
+                <a:solidFill>
+                  <a:srgbClr val="1D1C1D"/>
+                </a:solidFill>
+                <a:latin typeface="Slack-Lato"/>
+              </a:rPr>
+              <a:t>/</a:t>
+            </a:r>
+            <a:r>
+              <a:rPr lang="en-US" dirty="0" err="1">
+                <a:solidFill>
+                  <a:srgbClr val="1D1C1D"/>
+                </a:solidFill>
+                <a:latin typeface="Slack-Lato"/>
+              </a:rPr>
+              <a:t>bip-nonhumanqc</a:t>
+            </a:r>
+            <a:r>
+              <a:rPr lang="en-US" dirty="0">
+                <a:solidFill>
+                  <a:srgbClr val="1D1C1D"/>
+                </a:solidFill>
+                <a:latin typeface="Slack-Lato"/>
+              </a:rPr>
+              <a:t>”</a:t>
+            </a:r>
+            <a:endParaRPr lang="en-US" dirty="0"/>
+          </a:p>
+        </p:txBody>
+      </p:sp>
+    </p:spTree>
+    <p:extLst>
+      <p:ext uri="{BB962C8B-B14F-4D97-AF65-F5344CB8AC3E}">
+        <p14:creationId xmlns:p14="http://schemas.microsoft.com/office/powerpoint/2010/main" val="3754916449"/>
+      </p:ext>
+    </p:extLst>
+  </p:cSld>
+  <p:clrMapOvr>
+    <a:masterClrMapping/>
+  </p:clrMapOvr>
+</p:sld>
+</file>
+
+<file path=ppt/slides/slide21.xml><?xml version="1.0" encoding="utf-8"?>
+<p:sld xmlns:a="http://schemas.openxmlformats.org/drawingml/2006/main" xmlns:r="http://schemas.openxmlformats.org/officeDocument/2006/relationships" xmlns:p="http://schemas.openxmlformats.org/presentationml/2006/main">
+  <p:cSld>
+    <p:spTree>
+      <p:nvGrpSpPr>
+        <p:cNvPr id="1" name=""/>
+        <p:cNvGrpSpPr/>
+        <p:nvPr/>
+      </p:nvGrpSpPr>
+      <p:grpSpPr>
+        <a:xfrm>
+          <a:off x="0" y="0"/>
+          <a:ext cx="0" cy="0"/>
+          <a:chOff x="0" y="0"/>
+          <a:chExt cx="0" cy="0"/>
+        </a:xfrm>
+      </p:grpSpPr>
+      <p:sp>
+        <p:nvSpPr>
+          <p:cNvPr id="2" name="Title 1">
+            <a:extLst>
+              <a:ext uri="{FF2B5EF4-FFF2-40B4-BE49-F238E27FC236}">
+                <a16:creationId xmlns:a16="http://schemas.microsoft.com/office/drawing/2014/main" id="{5D7C0191-BCDD-AD43-B195-2FB829334BBB}"/>
+              </a:ext>
+            </a:extLst>
+          </p:cNvPr>
+          <p:cNvSpPr>
+            <a:spLocks noGrp="1"/>
+          </p:cNvSpPr>
+          <p:nvPr>
+            <p:ph type="title"/>
+          </p:nvPr>
+        </p:nvSpPr>
+        <p:spPr/>
+        <p:txBody>
+          <a:bodyPr/>
+          <a:lstStyle/>
+          <a:p>
+            <a:r>
+              <a:rPr lang="en-US" dirty="0"/>
+              <a:t>Jenkins</a:t>
+            </a:r>
+          </a:p>
+        </p:txBody>
+      </p:sp>
+      <p:sp>
+        <p:nvSpPr>
+          <p:cNvPr id="3" name="Content Placeholder 2">
+            <a:extLst>
+              <a:ext uri="{FF2B5EF4-FFF2-40B4-BE49-F238E27FC236}">
+                <a16:creationId xmlns:a16="http://schemas.microsoft.com/office/drawing/2014/main" id="{D5B22DF0-BF22-6543-8B1C-291B8EFA1B8A}"/>
+              </a:ext>
+            </a:extLst>
+          </p:cNvPr>
+          <p:cNvSpPr>
+            <a:spLocks noGrp="1"/>
+          </p:cNvSpPr>
+          <p:nvPr>
+            <p:ph idx="1"/>
+          </p:nvPr>
+        </p:nvSpPr>
+        <p:spPr/>
+        <p:txBody>
+          <a:bodyPr/>
+          <a:lstStyle/>
+          <a:p>
+            <a:r>
+              <a:rPr lang="en-US" dirty="0"/>
+              <a:t>I am working on building a new module called </a:t>
+            </a:r>
+            <a:r>
+              <a:rPr lang="en-US" dirty="0" err="1"/>
+              <a:t>bip-nonhumanqc</a:t>
+            </a:r>
+            <a:r>
+              <a:rPr lang="en-US" dirty="0"/>
+              <a:t> and prepared to integrate it into BIP4.0. Shall I get this access in order to upload module to Jenkins for testing?</a:t>
+            </a:r>
+          </a:p>
+        </p:txBody>
+      </p:sp>
+    </p:spTree>
+    <p:extLst>
+      <p:ext uri="{BB962C8B-B14F-4D97-AF65-F5344CB8AC3E}">
+        <p14:creationId xmlns:p14="http://schemas.microsoft.com/office/powerpoint/2010/main" val="1744136134"/>
+      </p:ext>
+    </p:extLst>
+  </p:cSld>
+  <p:clrMapOvr>
+    <a:masterClrMapping/>
+  </p:clrMapOvr>
+</p:sld>
+</file>
+
+<file path=ppt/slides/slide22.xml><?xml version="1.0" encoding="utf-8"?>
+<p:sld xmlns:a="http://schemas.openxmlformats.org/drawingml/2006/main" xmlns:r="http://schemas.openxmlformats.org/officeDocument/2006/relationships" xmlns:p="http://schemas.openxmlformats.org/presentationml/2006/main">
+  <p:cSld>
+    <p:spTree>
+      <p:nvGrpSpPr>
+        <p:cNvPr id="1" name=""/>
+        <p:cNvGrpSpPr/>
+        <p:nvPr/>
+      </p:nvGrpSpPr>
+      <p:grpSpPr>
+        <a:xfrm>
+          <a:off x="0" y="0"/>
+          <a:ext cx="0" cy="0"/>
+          <a:chOff x="0" y="0"/>
+          <a:chExt cx="0" cy="0"/>
+        </a:xfrm>
+      </p:grpSpPr>
+      <p:sp>
+        <p:nvSpPr>
+          <p:cNvPr id="2" name="Title 1">
+            <a:extLst>
+              <a:ext uri="{FF2B5EF4-FFF2-40B4-BE49-F238E27FC236}">
+                <a16:creationId xmlns:a16="http://schemas.microsoft.com/office/drawing/2014/main" id="{AA3723F1-5733-7241-800D-547E3FB7EE6F}"/>
+              </a:ext>
+            </a:extLst>
+          </p:cNvPr>
+          <p:cNvSpPr>
+            <a:spLocks noGrp="1"/>
+          </p:cNvSpPr>
+          <p:nvPr>
+            <p:ph type="title"/>
+          </p:nvPr>
+        </p:nvSpPr>
+        <p:spPr/>
+        <p:txBody>
+          <a:bodyPr/>
+          <a:lstStyle/>
+          <a:p>
+            <a:endParaRPr lang="en-US"/>
+          </a:p>
+        </p:txBody>
+      </p:sp>
+      <p:pic>
+        <p:nvPicPr>
+          <p:cNvPr id="4" name="Content Placeholder 3">
+            <a:extLst>
+              <a:ext uri="{FF2B5EF4-FFF2-40B4-BE49-F238E27FC236}">
+                <a16:creationId xmlns:a16="http://schemas.microsoft.com/office/drawing/2014/main" id="{69BE353E-2E54-CB42-89B7-9238C22C602E}"/>
+              </a:ext>
+            </a:extLst>
+          </p:cNvPr>
+          <p:cNvPicPr>
+            <a:picLocks noGrp="1" noChangeAspect="1"/>
+          </p:cNvPicPr>
+          <p:nvPr>
+            <p:ph idx="1"/>
+          </p:nvPr>
+        </p:nvPicPr>
+        <p:blipFill>
+          <a:blip r:embed="rId2"/>
+          <a:stretch>
+            <a:fillRect/>
+          </a:stretch>
+        </p:blipFill>
+        <p:spPr>
+          <a:xfrm>
+            <a:off x="838200" y="1943571"/>
+            <a:ext cx="10599132" cy="2110844"/>
+          </a:xfrm>
+          <a:prstGeom prst="rect">
+            <a:avLst/>
+          </a:prstGeom>
+        </p:spPr>
+      </p:pic>
+    </p:spTree>
+    <p:extLst>
+      <p:ext uri="{BB962C8B-B14F-4D97-AF65-F5344CB8AC3E}">
+        <p14:creationId xmlns:p14="http://schemas.microsoft.com/office/powerpoint/2010/main" val="2513614862"/>
       </p:ext>
     </p:extLst>
   </p:cSld>
